--- a/Презентация веб проекта.pptx
+++ b/Презентация веб проекта.pptx
@@ -2,7 +2,7 @@
 <file path=ppt/presentation.xml><?xml version="1.0" encoding="utf-8"?>
 <p:presentation xmlns:a="http://schemas.openxmlformats.org/drawingml/2006/main" xmlns:r="http://schemas.openxmlformats.org/officeDocument/2006/relationships" xmlns:p="http://schemas.openxmlformats.org/presentationml/2006/main" saveSubsetFonts="1">
   <p:sldMasterIdLst>
-    <p:sldMasterId id="2147483648" r:id="rId1"/>
+    <p:sldMasterId id="2147483684" r:id="rId1"/>
   </p:sldMasterIdLst>
   <p:sldIdLst>
     <p:sldId id="256" r:id="rId2"/>
@@ -126,7 +126,7 @@
 </file>
 
 <file path=ppt/slideLayouts/slideLayout1.xml><?xml version="1.0" encoding="utf-8"?>
-<p:sldLayout xmlns:a="http://schemas.openxmlformats.org/drawingml/2006/main" xmlns:r="http://schemas.openxmlformats.org/officeDocument/2006/relationships" xmlns:p="http://schemas.openxmlformats.org/presentationml/2006/main" type="title" preserve="1">
+<p:sldLayout xmlns:a="http://schemas.openxmlformats.org/drawingml/2006/main" xmlns:r="http://schemas.openxmlformats.org/officeDocument/2006/relationships" xmlns:p="http://schemas.openxmlformats.org/presentationml/2006/main" showMasterSp="0" type="title" preserve="1">
   <p:cSld name="Титульный слайд">
     <p:spTree>
       <p:nvGrpSpPr>
@@ -144,38 +144,127 @@
       </p:grpSpPr>
       <p:sp>
         <p:nvSpPr>
-          <p:cNvPr id="2" name="Заголовок 1"/>
-          <p:cNvSpPr>
-            <a:spLocks noGrp="1"/>
-          </p:cNvSpPr>
-          <p:nvPr>
-            <p:ph type="ctrTitle"/>
-          </p:nvPr>
+          <p:cNvPr id="7" name="Rectangle 6"/>
+          <p:cNvSpPr/>
+          <p:nvPr/>
         </p:nvSpPr>
         <p:spPr>
           <a:xfrm>
-            <a:off x="1524000" y="1122363"/>
-            <a:ext cx="9144000" cy="2387600"/>
+            <a:off x="3175" y="6400800"/>
+            <a:ext cx="12188825" cy="457200"/>
+          </a:xfrm>
+          <a:prstGeom prst="rect">
+            <a:avLst/>
+          </a:prstGeom>
+          <a:solidFill>
+            <a:schemeClr val="accent2"/>
+          </a:solidFill>
+          <a:ln>
+            <a:noFill/>
+          </a:ln>
+        </p:spPr>
+        <p:style>
+          <a:lnRef idx="2">
+            <a:schemeClr val="accent1">
+              <a:shade val="50000"/>
+            </a:schemeClr>
+          </a:lnRef>
+          <a:fillRef idx="1">
+            <a:schemeClr val="accent1"/>
+          </a:fillRef>
+          <a:effectRef idx="0">
+            <a:schemeClr val="accent1"/>
+          </a:effectRef>
+          <a:fontRef idx="minor">
+            <a:schemeClr val="lt1"/>
+          </a:fontRef>
+        </p:style>
+      </p:sp>
+      <p:sp>
+        <p:nvSpPr>
+          <p:cNvPr id="8" name="Rectangle 7"/>
+          <p:cNvSpPr/>
+          <p:nvPr/>
+        </p:nvSpPr>
+        <p:spPr>
+          <a:xfrm>
+            <a:off x="15" y="6334316"/>
+            <a:ext cx="12188825" cy="64008"/>
+          </a:xfrm>
+          <a:prstGeom prst="rect">
+            <a:avLst/>
+          </a:prstGeom>
+          <a:solidFill>
+            <a:schemeClr val="accent1"/>
+          </a:solidFill>
+          <a:ln>
+            <a:noFill/>
+          </a:ln>
+        </p:spPr>
+        <p:style>
+          <a:lnRef idx="2">
+            <a:schemeClr val="accent1">
+              <a:shade val="50000"/>
+            </a:schemeClr>
+          </a:lnRef>
+          <a:fillRef idx="1">
+            <a:schemeClr val="accent1"/>
+          </a:fillRef>
+          <a:effectRef idx="0">
+            <a:schemeClr val="accent1"/>
+          </a:effectRef>
+          <a:fontRef idx="minor">
+            <a:schemeClr val="lt1"/>
+          </a:fontRef>
+        </p:style>
+      </p:sp>
+      <p:sp>
+        <p:nvSpPr>
+          <p:cNvPr id="2" name="Title 1"/>
+          <p:cNvSpPr>
+            <a:spLocks noGrp="1"/>
+          </p:cNvSpPr>
+          <p:nvPr>
+            <p:ph type="ctrTitle"/>
+          </p:nvPr>
+        </p:nvSpPr>
+        <p:spPr>
+          <a:xfrm>
+            <a:off x="1097280" y="758952"/>
+            <a:ext cx="10058400" cy="3566160"/>
           </a:xfrm>
         </p:spPr>
         <p:txBody>
-          <a:bodyPr anchor="b"/>
+          <a:bodyPr anchor="b">
+            <a:normAutofit/>
+          </a:bodyPr>
           <a:lstStyle>
-            <a:lvl1pPr algn="ctr">
-              <a:defRPr sz="6000"/>
+            <a:lvl1pPr algn="l">
+              <a:lnSpc>
+                <a:spcPct val="85000"/>
+              </a:lnSpc>
+              <a:defRPr sz="8000" spc="-50" baseline="0">
+                <a:solidFill>
+                  <a:schemeClr val="tx1">
+                    <a:lumMod val="85000"/>
+                    <a:lumOff val="15000"/>
+                  </a:schemeClr>
+                </a:solidFill>
+              </a:defRPr>
             </a:lvl1pPr>
           </a:lstStyle>
           <a:p>
             <a:r>
-              <a:rPr lang="ru-RU"/>
+              <a:rPr lang="ru-RU" smtClean="0"/>
               <a:t>Образец заголовка</a:t>
             </a:r>
-          </a:p>
-        </p:txBody>
-      </p:sp>
-      <p:sp>
-        <p:nvSpPr>
-          <p:cNvPr id="3" name="Подзаголовок 2"/>
+            <a:endParaRPr lang="en-US" dirty="0"/>
+          </a:p>
+        </p:txBody>
+      </p:sp>
+      <p:sp>
+        <p:nvSpPr>
+          <p:cNvPr id="3" name="Subtitle 2"/>
           <p:cNvSpPr>
             <a:spLocks noGrp="1"/>
           </p:cNvSpPr>
@@ -185,61 +274,69 @@
         </p:nvSpPr>
         <p:spPr>
           <a:xfrm>
-            <a:off x="1524000" y="3602038"/>
-            <a:ext cx="9144000" cy="1655762"/>
+            <a:off x="1100051" y="4455620"/>
+            <a:ext cx="10058400" cy="1143000"/>
           </a:xfrm>
         </p:spPr>
         <p:txBody>
-          <a:bodyPr/>
+          <a:bodyPr lIns="91440" rIns="91440">
+            <a:normAutofit/>
+          </a:bodyPr>
           <a:lstStyle>
-            <a:lvl1pPr marL="0" indent="0" algn="ctr">
-              <a:buNone/>
-              <a:defRPr sz="2400"/>
+            <a:lvl1pPr marL="0" indent="0" algn="l">
+              <a:buNone/>
+              <a:defRPr sz="2400" cap="all" spc="200" baseline="0">
+                <a:solidFill>
+                  <a:schemeClr val="tx2"/>
+                </a:solidFill>
+                <a:latin typeface="+mj-lt"/>
+              </a:defRPr>
             </a:lvl1pPr>
             <a:lvl2pPr marL="457200" indent="0" algn="ctr">
               <a:buNone/>
-              <a:defRPr sz="2000"/>
+              <a:defRPr sz="2400"/>
             </a:lvl2pPr>
             <a:lvl3pPr marL="914400" indent="0" algn="ctr">
               <a:buNone/>
-              <a:defRPr sz="1800"/>
+              <a:defRPr sz="2400"/>
             </a:lvl3pPr>
             <a:lvl4pPr marL="1371600" indent="0" algn="ctr">
               <a:buNone/>
-              <a:defRPr sz="1600"/>
+              <a:defRPr sz="2000"/>
             </a:lvl4pPr>
             <a:lvl5pPr marL="1828800" indent="0" algn="ctr">
               <a:buNone/>
-              <a:defRPr sz="1600"/>
+              <a:defRPr sz="2000"/>
             </a:lvl5pPr>
             <a:lvl6pPr marL="2286000" indent="0" algn="ctr">
               <a:buNone/>
-              <a:defRPr sz="1600"/>
+              <a:defRPr sz="2000"/>
             </a:lvl6pPr>
             <a:lvl7pPr marL="2743200" indent="0" algn="ctr">
               <a:buNone/>
-              <a:defRPr sz="1600"/>
+              <a:defRPr sz="2000"/>
             </a:lvl7pPr>
             <a:lvl8pPr marL="3200400" indent="0" algn="ctr">
               <a:buNone/>
-              <a:defRPr sz="1600"/>
+              <a:defRPr sz="2000"/>
             </a:lvl8pPr>
             <a:lvl9pPr marL="3657600" indent="0" algn="ctr">
               <a:buNone/>
-              <a:defRPr sz="1600"/>
+              <a:defRPr sz="2000"/>
             </a:lvl9pPr>
           </a:lstStyle>
           <a:p>
             <a:r>
-              <a:rPr lang="ru-RU"/>
+              <a:rPr lang="ru-RU" smtClean="0"/>
               <a:t>Образец подзаголовка</a:t>
             </a:r>
-          </a:p>
-        </p:txBody>
-      </p:sp>
-      <p:sp>
-        <p:nvSpPr>
-          <p:cNvPr id="4" name="Дата 3"/>
+            <a:endParaRPr lang="en-US" dirty="0"/>
+          </a:p>
+        </p:txBody>
+      </p:sp>
+      <p:sp>
+        <p:nvSpPr>
+          <p:cNvPr id="4" name="Date Placeholder 3"/>
           <p:cNvSpPr>
             <a:spLocks noGrp="1"/>
           </p:cNvSpPr>
@@ -254,7 +351,7 @@
           <a:p>
             <a:fld id="{F2FFB779-270B-4192-84BA-A697F48306DC}" type="datetimeFigureOut">
               <a:rPr lang="ru-RU" smtClean="0"/>
-              <a:t>11.05.2020</a:t>
+              <a:t>13.05.2020</a:t>
             </a:fld>
             <a:endParaRPr lang="ru-RU"/>
           </a:p>
@@ -262,7 +359,7 @@
       </p:sp>
       <p:sp>
         <p:nvSpPr>
-          <p:cNvPr id="5" name="Нижний колонтитул 4"/>
+          <p:cNvPr id="5" name="Footer Placeholder 4"/>
           <p:cNvSpPr>
             <a:spLocks noGrp="1"/>
           </p:cNvSpPr>
@@ -281,7 +378,7 @@
       </p:sp>
       <p:sp>
         <p:nvSpPr>
-          <p:cNvPr id="6" name="Номер слайда 5"/>
+          <p:cNvPr id="6" name="Slide Number Placeholder 5"/>
           <p:cNvSpPr>
             <a:spLocks noGrp="1"/>
           </p:cNvSpPr>
@@ -302,10 +399,48 @@
           </a:p>
         </p:txBody>
       </p:sp>
+      <p:cxnSp>
+        <p:nvCxnSpPr>
+          <p:cNvPr id="9" name="Straight Connector 8"/>
+          <p:cNvCxnSpPr/>
+          <p:nvPr/>
+        </p:nvCxnSpPr>
+        <p:spPr>
+          <a:xfrm>
+            <a:off x="1207658" y="4343400"/>
+            <a:ext cx="9875520" cy="0"/>
+          </a:xfrm>
+          <a:prstGeom prst="line">
+            <a:avLst/>
+          </a:prstGeom>
+          <a:ln w="6350">
+            <a:solidFill>
+              <a:schemeClr val="tx1">
+                <a:lumMod val="50000"/>
+                <a:lumOff val="50000"/>
+              </a:schemeClr>
+            </a:solidFill>
+          </a:ln>
+        </p:spPr>
+        <p:style>
+          <a:lnRef idx="1">
+            <a:schemeClr val="accent1"/>
+          </a:lnRef>
+          <a:fillRef idx="0">
+            <a:schemeClr val="accent1"/>
+          </a:fillRef>
+          <a:effectRef idx="0">
+            <a:schemeClr val="accent1"/>
+          </a:effectRef>
+          <a:fontRef idx="minor">
+            <a:schemeClr val="tx1"/>
+          </a:fontRef>
+        </p:style>
+      </p:cxnSp>
     </p:spTree>
     <p:extLst>
       <p:ext uri="{BB962C8B-B14F-4D97-AF65-F5344CB8AC3E}">
-        <p14:creationId xmlns:p14="http://schemas.microsoft.com/office/powerpoint/2010/main" val="161079921"/>
+        <p14:creationId xmlns:p14="http://schemas.microsoft.com/office/powerpoint/2010/main" val="2334417177"/>
       </p:ext>
     </p:extLst>
   </p:cSld>
@@ -334,7 +469,7 @@
       </p:grpSpPr>
       <p:sp>
         <p:nvSpPr>
-          <p:cNvPr id="2" name="Заголовок 1"/>
+          <p:cNvPr id="2" name="Title 1"/>
           <p:cNvSpPr>
             <a:spLocks noGrp="1"/>
           </p:cNvSpPr>
@@ -348,15 +483,16 @@
           <a:lstStyle/>
           <a:p>
             <a:r>
-              <a:rPr lang="ru-RU"/>
+              <a:rPr lang="ru-RU" smtClean="0"/>
               <a:t>Образец заголовка</a:t>
             </a:r>
-          </a:p>
-        </p:txBody>
-      </p:sp>
-      <p:sp>
-        <p:nvSpPr>
-          <p:cNvPr id="3" name="Вертикальный текст 2"/>
+            <a:endParaRPr lang="en-US" dirty="0"/>
+          </a:p>
+        </p:txBody>
+      </p:sp>
+      <p:sp>
+        <p:nvSpPr>
+          <p:cNvPr id="3" name="Vertical Text Placeholder 2"/>
           <p:cNvSpPr>
             <a:spLocks noGrp="1"/>
           </p:cNvSpPr>
@@ -366,48 +502,49 @@
         </p:nvSpPr>
         <p:spPr/>
         <p:txBody>
-          <a:bodyPr vert="eaVert"/>
+          <a:bodyPr vert="eaVert" lIns="45720" tIns="0" rIns="45720" bIns="0"/>
           <a:lstStyle/>
           <a:p>
             <a:pPr lvl="0"/>
             <a:r>
-              <a:rPr lang="ru-RU"/>
+              <a:rPr lang="ru-RU" smtClean="0"/>
               <a:t>Образец текста</a:t>
             </a:r>
           </a:p>
           <a:p>
             <a:pPr lvl="1"/>
             <a:r>
-              <a:rPr lang="ru-RU"/>
+              <a:rPr lang="ru-RU" smtClean="0"/>
               <a:t>Второй уровень</a:t>
             </a:r>
           </a:p>
           <a:p>
             <a:pPr lvl="2"/>
             <a:r>
-              <a:rPr lang="ru-RU"/>
+              <a:rPr lang="ru-RU" smtClean="0"/>
               <a:t>Третий уровень</a:t>
             </a:r>
           </a:p>
           <a:p>
             <a:pPr lvl="3"/>
             <a:r>
-              <a:rPr lang="ru-RU"/>
+              <a:rPr lang="ru-RU" smtClean="0"/>
               <a:t>Четвертый уровень</a:t>
             </a:r>
           </a:p>
           <a:p>
             <a:pPr lvl="4"/>
             <a:r>
-              <a:rPr lang="ru-RU"/>
+              <a:rPr lang="ru-RU" smtClean="0"/>
               <a:t>Пятый уровень</a:t>
             </a:r>
-          </a:p>
-        </p:txBody>
-      </p:sp>
-      <p:sp>
-        <p:nvSpPr>
-          <p:cNvPr id="4" name="Дата 3"/>
+            <a:endParaRPr lang="en-US" dirty="0"/>
+          </a:p>
+        </p:txBody>
+      </p:sp>
+      <p:sp>
+        <p:nvSpPr>
+          <p:cNvPr id="4" name="Date Placeholder 3"/>
           <p:cNvSpPr>
             <a:spLocks noGrp="1"/>
           </p:cNvSpPr>
@@ -422,7 +559,7 @@
           <a:p>
             <a:fld id="{F2FFB779-270B-4192-84BA-A697F48306DC}" type="datetimeFigureOut">
               <a:rPr lang="ru-RU" smtClean="0"/>
-              <a:t>11.05.2020</a:t>
+              <a:t>13.05.2020</a:t>
             </a:fld>
             <a:endParaRPr lang="ru-RU"/>
           </a:p>
@@ -430,7 +567,7 @@
       </p:sp>
       <p:sp>
         <p:nvSpPr>
-          <p:cNvPr id="5" name="Нижний колонтитул 4"/>
+          <p:cNvPr id="5" name="Footer Placeholder 4"/>
           <p:cNvSpPr>
             <a:spLocks noGrp="1"/>
           </p:cNvSpPr>
@@ -449,7 +586,7 @@
       </p:sp>
       <p:sp>
         <p:nvSpPr>
-          <p:cNvPr id="6" name="Номер слайда 5"/>
+          <p:cNvPr id="6" name="Slide Number Placeholder 5"/>
           <p:cNvSpPr>
             <a:spLocks noGrp="1"/>
           </p:cNvSpPr>
@@ -473,7 +610,7 @@
     </p:spTree>
     <p:extLst>
       <p:ext uri="{BB962C8B-B14F-4D97-AF65-F5344CB8AC3E}">
-        <p14:creationId xmlns:p14="http://schemas.microsoft.com/office/powerpoint/2010/main" val="2065727480"/>
+        <p14:creationId xmlns:p14="http://schemas.microsoft.com/office/powerpoint/2010/main" val="3441494758"/>
       </p:ext>
     </p:extLst>
   </p:cSld>
@@ -484,7 +621,7 @@
 </file>
 
 <file path=ppt/slideLayouts/slideLayout11.xml><?xml version="1.0" encoding="utf-8"?>
-<p:sldLayout xmlns:a="http://schemas.openxmlformats.org/drawingml/2006/main" xmlns:r="http://schemas.openxmlformats.org/officeDocument/2006/relationships" xmlns:p="http://schemas.openxmlformats.org/presentationml/2006/main" type="vertTitleAndTx" preserve="1">
+<p:sldLayout xmlns:a="http://schemas.openxmlformats.org/drawingml/2006/main" xmlns:r="http://schemas.openxmlformats.org/officeDocument/2006/relationships" xmlns:p="http://schemas.openxmlformats.org/presentationml/2006/main" showMasterSp="0" type="vertTitleAndTx" preserve="1">
   <p:cSld name="Вертикальный заголовок и текст">
     <p:spTree>
       <p:nvGrpSpPr>
@@ -502,18 +639,94 @@
       </p:grpSpPr>
       <p:sp>
         <p:nvSpPr>
-          <p:cNvPr id="2" name="Вертикальный заголовок 1"/>
-          <p:cNvSpPr>
-            <a:spLocks noGrp="1"/>
-          </p:cNvSpPr>
-          <p:nvPr>
-            <p:ph type="title" orient="vert"/>
-          </p:nvPr>
+          <p:cNvPr id="7" name="Rectangle 6"/>
+          <p:cNvSpPr/>
+          <p:nvPr/>
         </p:nvSpPr>
         <p:spPr>
           <a:xfrm>
-            <a:off x="8724900" y="365125"/>
-            <a:ext cx="2628900" cy="5811838"/>
+            <a:off x="3175" y="6400800"/>
+            <a:ext cx="12188825" cy="457200"/>
+          </a:xfrm>
+          <a:prstGeom prst="rect">
+            <a:avLst/>
+          </a:prstGeom>
+          <a:solidFill>
+            <a:schemeClr val="accent2"/>
+          </a:solidFill>
+          <a:ln>
+            <a:noFill/>
+          </a:ln>
+        </p:spPr>
+        <p:style>
+          <a:lnRef idx="2">
+            <a:schemeClr val="accent1">
+              <a:shade val="50000"/>
+            </a:schemeClr>
+          </a:lnRef>
+          <a:fillRef idx="1">
+            <a:schemeClr val="accent1"/>
+          </a:fillRef>
+          <a:effectRef idx="0">
+            <a:schemeClr val="accent1"/>
+          </a:effectRef>
+          <a:fontRef idx="minor">
+            <a:schemeClr val="lt1"/>
+          </a:fontRef>
+        </p:style>
+      </p:sp>
+      <p:sp>
+        <p:nvSpPr>
+          <p:cNvPr id="8" name="Rectangle 7"/>
+          <p:cNvSpPr/>
+          <p:nvPr/>
+        </p:nvSpPr>
+        <p:spPr>
+          <a:xfrm>
+            <a:off x="15" y="6334316"/>
+            <a:ext cx="12188825" cy="64008"/>
+          </a:xfrm>
+          <a:prstGeom prst="rect">
+            <a:avLst/>
+          </a:prstGeom>
+          <a:solidFill>
+            <a:schemeClr val="accent1"/>
+          </a:solidFill>
+          <a:ln>
+            <a:noFill/>
+          </a:ln>
+        </p:spPr>
+        <p:style>
+          <a:lnRef idx="2">
+            <a:schemeClr val="accent1">
+              <a:shade val="50000"/>
+            </a:schemeClr>
+          </a:lnRef>
+          <a:fillRef idx="1">
+            <a:schemeClr val="accent1"/>
+          </a:fillRef>
+          <a:effectRef idx="0">
+            <a:schemeClr val="accent1"/>
+          </a:effectRef>
+          <a:fontRef idx="minor">
+            <a:schemeClr val="lt1"/>
+          </a:fontRef>
+        </p:style>
+      </p:sp>
+      <p:sp>
+        <p:nvSpPr>
+          <p:cNvPr id="2" name="Vertical Title 1"/>
+          <p:cNvSpPr>
+            <a:spLocks noGrp="1"/>
+          </p:cNvSpPr>
+          <p:nvPr>
+            <p:ph type="title" orient="vert"/>
+          </p:nvPr>
+        </p:nvSpPr>
+        <p:spPr>
+          <a:xfrm>
+            <a:off x="8724900" y="414778"/>
+            <a:ext cx="2628900" cy="5757421"/>
           </a:xfrm>
         </p:spPr>
         <p:txBody>
@@ -521,15 +734,16 @@
           <a:lstStyle/>
           <a:p>
             <a:r>
-              <a:rPr lang="ru-RU"/>
+              <a:rPr lang="ru-RU" smtClean="0"/>
               <a:t>Образец заголовка</a:t>
             </a:r>
-          </a:p>
-        </p:txBody>
-      </p:sp>
-      <p:sp>
-        <p:nvSpPr>
-          <p:cNvPr id="3" name="Вертикальный текст 2"/>
+            <a:endParaRPr lang="en-US" dirty="0"/>
+          </a:p>
+        </p:txBody>
+      </p:sp>
+      <p:sp>
+        <p:nvSpPr>
+          <p:cNvPr id="3" name="Vertical Text Placeholder 2"/>
           <p:cNvSpPr>
             <a:spLocks noGrp="1"/>
           </p:cNvSpPr>
@@ -539,53 +753,54 @@
         </p:nvSpPr>
         <p:spPr>
           <a:xfrm>
-            <a:off x="838200" y="365125"/>
-            <a:ext cx="7734300" cy="5811838"/>
+            <a:off x="838200" y="414778"/>
+            <a:ext cx="7734300" cy="5757422"/>
           </a:xfrm>
         </p:spPr>
         <p:txBody>
-          <a:bodyPr vert="eaVert"/>
+          <a:bodyPr vert="eaVert" lIns="45720" tIns="0" rIns="45720" bIns="0"/>
           <a:lstStyle/>
           <a:p>
             <a:pPr lvl="0"/>
             <a:r>
-              <a:rPr lang="ru-RU"/>
+              <a:rPr lang="ru-RU" smtClean="0"/>
               <a:t>Образец текста</a:t>
             </a:r>
           </a:p>
           <a:p>
             <a:pPr lvl="1"/>
             <a:r>
-              <a:rPr lang="ru-RU"/>
+              <a:rPr lang="ru-RU" smtClean="0"/>
               <a:t>Второй уровень</a:t>
             </a:r>
           </a:p>
           <a:p>
             <a:pPr lvl="2"/>
             <a:r>
-              <a:rPr lang="ru-RU"/>
+              <a:rPr lang="ru-RU" smtClean="0"/>
               <a:t>Третий уровень</a:t>
             </a:r>
           </a:p>
           <a:p>
             <a:pPr lvl="3"/>
             <a:r>
-              <a:rPr lang="ru-RU"/>
+              <a:rPr lang="ru-RU" smtClean="0"/>
               <a:t>Четвертый уровень</a:t>
             </a:r>
           </a:p>
           <a:p>
             <a:pPr lvl="4"/>
             <a:r>
-              <a:rPr lang="ru-RU"/>
+              <a:rPr lang="ru-RU" smtClean="0"/>
               <a:t>Пятый уровень</a:t>
             </a:r>
-          </a:p>
-        </p:txBody>
-      </p:sp>
-      <p:sp>
-        <p:nvSpPr>
-          <p:cNvPr id="4" name="Дата 3"/>
+            <a:endParaRPr lang="en-US" dirty="0"/>
+          </a:p>
+        </p:txBody>
+      </p:sp>
+      <p:sp>
+        <p:nvSpPr>
+          <p:cNvPr id="4" name="Date Placeholder 3"/>
           <p:cNvSpPr>
             <a:spLocks noGrp="1"/>
           </p:cNvSpPr>
@@ -600,7 +815,7 @@
           <a:p>
             <a:fld id="{F2FFB779-270B-4192-84BA-A697F48306DC}" type="datetimeFigureOut">
               <a:rPr lang="ru-RU" smtClean="0"/>
-              <a:t>11.05.2020</a:t>
+              <a:t>13.05.2020</a:t>
             </a:fld>
             <a:endParaRPr lang="ru-RU"/>
           </a:p>
@@ -608,7 +823,7 @@
       </p:sp>
       <p:sp>
         <p:nvSpPr>
-          <p:cNvPr id="5" name="Нижний колонтитул 4"/>
+          <p:cNvPr id="5" name="Footer Placeholder 4"/>
           <p:cNvSpPr>
             <a:spLocks noGrp="1"/>
           </p:cNvSpPr>
@@ -627,7 +842,7 @@
       </p:sp>
       <p:sp>
         <p:nvSpPr>
-          <p:cNvPr id="6" name="Номер слайда 5"/>
+          <p:cNvPr id="6" name="Slide Number Placeholder 5"/>
           <p:cNvSpPr>
             <a:spLocks noGrp="1"/>
           </p:cNvSpPr>
@@ -651,7 +866,7 @@
     </p:spTree>
     <p:extLst>
       <p:ext uri="{BB962C8B-B14F-4D97-AF65-F5344CB8AC3E}">
-        <p14:creationId xmlns:p14="http://schemas.microsoft.com/office/powerpoint/2010/main" val="812261758"/>
+        <p14:creationId xmlns:p14="http://schemas.microsoft.com/office/powerpoint/2010/main" val="2976510295"/>
       </p:ext>
     </p:extLst>
   </p:cSld>
@@ -680,7 +895,7 @@
       </p:grpSpPr>
       <p:sp>
         <p:nvSpPr>
-          <p:cNvPr id="2" name="Заголовок 1"/>
+          <p:cNvPr id="2" name="Title 1"/>
           <p:cNvSpPr>
             <a:spLocks noGrp="1"/>
           </p:cNvSpPr>
@@ -691,18 +906,23 @@
         <p:spPr/>
         <p:txBody>
           <a:bodyPr/>
-          <a:lstStyle/>
-          <a:p>
-            <a:r>
-              <a:rPr lang="ru-RU"/>
+          <a:lstStyle>
+            <a:lvl1pPr marL="0">
+              <a:defRPr/>
+            </a:lvl1pPr>
+          </a:lstStyle>
+          <a:p>
+            <a:r>
+              <a:rPr lang="ru-RU" smtClean="0"/>
               <a:t>Образец заголовка</a:t>
             </a:r>
-          </a:p>
-        </p:txBody>
-      </p:sp>
-      <p:sp>
-        <p:nvSpPr>
-          <p:cNvPr id="3" name="Объект 2"/>
+            <a:endParaRPr lang="en-US" dirty="0"/>
+          </a:p>
+        </p:txBody>
+      </p:sp>
+      <p:sp>
+        <p:nvSpPr>
+          <p:cNvPr id="3" name="Content Placeholder 2"/>
           <p:cNvSpPr>
             <a:spLocks noGrp="1"/>
           </p:cNvSpPr>
@@ -717,43 +937,44 @@
           <a:p>
             <a:pPr lvl="0"/>
             <a:r>
-              <a:rPr lang="ru-RU"/>
+              <a:rPr lang="ru-RU" smtClean="0"/>
               <a:t>Образец текста</a:t>
             </a:r>
           </a:p>
           <a:p>
             <a:pPr lvl="1"/>
             <a:r>
-              <a:rPr lang="ru-RU"/>
+              <a:rPr lang="ru-RU" smtClean="0"/>
               <a:t>Второй уровень</a:t>
             </a:r>
           </a:p>
           <a:p>
             <a:pPr lvl="2"/>
             <a:r>
-              <a:rPr lang="ru-RU"/>
+              <a:rPr lang="ru-RU" smtClean="0"/>
               <a:t>Третий уровень</a:t>
             </a:r>
           </a:p>
           <a:p>
             <a:pPr lvl="3"/>
             <a:r>
-              <a:rPr lang="ru-RU"/>
+              <a:rPr lang="ru-RU" smtClean="0"/>
               <a:t>Четвертый уровень</a:t>
             </a:r>
           </a:p>
           <a:p>
             <a:pPr lvl="4"/>
             <a:r>
-              <a:rPr lang="ru-RU"/>
+              <a:rPr lang="ru-RU" smtClean="0"/>
               <a:t>Пятый уровень</a:t>
             </a:r>
-          </a:p>
-        </p:txBody>
-      </p:sp>
-      <p:sp>
-        <p:nvSpPr>
-          <p:cNvPr id="4" name="Дата 3"/>
+            <a:endParaRPr lang="en-US" dirty="0"/>
+          </a:p>
+        </p:txBody>
+      </p:sp>
+      <p:sp>
+        <p:nvSpPr>
+          <p:cNvPr id="4" name="Date Placeholder 3"/>
           <p:cNvSpPr>
             <a:spLocks noGrp="1"/>
           </p:cNvSpPr>
@@ -768,7 +989,7 @@
           <a:p>
             <a:fld id="{F2FFB779-270B-4192-84BA-A697F48306DC}" type="datetimeFigureOut">
               <a:rPr lang="ru-RU" smtClean="0"/>
-              <a:t>11.05.2020</a:t>
+              <a:t>13.05.2020</a:t>
             </a:fld>
             <a:endParaRPr lang="ru-RU"/>
           </a:p>
@@ -776,7 +997,7 @@
       </p:sp>
       <p:sp>
         <p:nvSpPr>
-          <p:cNvPr id="5" name="Нижний колонтитул 4"/>
+          <p:cNvPr id="5" name="Footer Placeholder 4"/>
           <p:cNvSpPr>
             <a:spLocks noGrp="1"/>
           </p:cNvSpPr>
@@ -795,7 +1016,7 @@
       </p:sp>
       <p:sp>
         <p:nvSpPr>
-          <p:cNvPr id="6" name="Номер слайда 5"/>
+          <p:cNvPr id="6" name="Slide Number Placeholder 5"/>
           <p:cNvSpPr>
             <a:spLocks noGrp="1"/>
           </p:cNvSpPr>
@@ -819,7 +1040,7 @@
     </p:spTree>
     <p:extLst>
       <p:ext uri="{BB962C8B-B14F-4D97-AF65-F5344CB8AC3E}">
-        <p14:creationId xmlns:p14="http://schemas.microsoft.com/office/powerpoint/2010/main" val="2703711724"/>
+        <p14:creationId xmlns:p14="http://schemas.microsoft.com/office/powerpoint/2010/main" val="1095815135"/>
       </p:ext>
     </p:extLst>
   </p:cSld>
@@ -830,8 +1051,16 @@
 </file>
 
 <file path=ppt/slideLayouts/slideLayout3.xml><?xml version="1.0" encoding="utf-8"?>
-<p:sldLayout xmlns:a="http://schemas.openxmlformats.org/drawingml/2006/main" xmlns:r="http://schemas.openxmlformats.org/officeDocument/2006/relationships" xmlns:p="http://schemas.openxmlformats.org/presentationml/2006/main" type="secHead" preserve="1">
+<p:sldLayout xmlns:a="http://schemas.openxmlformats.org/drawingml/2006/main" xmlns:r="http://schemas.openxmlformats.org/officeDocument/2006/relationships" xmlns:p="http://schemas.openxmlformats.org/presentationml/2006/main" showMasterSp="0" type="secHead" preserve="1">
   <p:cSld name="Заголовок раздела">
+    <p:bg>
+      <p:bgPr>
+        <a:solidFill>
+          <a:schemeClr val="bg1"/>
+        </a:solidFill>
+        <a:effectLst/>
+      </p:bgPr>
+    </p:bg>
     <p:spTree>
       <p:nvGrpSpPr>
         <p:cNvPr id="1" name=""/>
@@ -848,67 +1077,157 @@
       </p:grpSpPr>
       <p:sp>
         <p:nvSpPr>
-          <p:cNvPr id="2" name="Заголовок 1"/>
-          <p:cNvSpPr>
-            <a:spLocks noGrp="1"/>
-          </p:cNvSpPr>
-          <p:nvPr>
-            <p:ph type="title"/>
-          </p:nvPr>
+          <p:cNvPr id="7" name="Rectangle 6"/>
+          <p:cNvSpPr/>
+          <p:nvPr/>
         </p:nvSpPr>
         <p:spPr>
           <a:xfrm>
-            <a:off x="831850" y="1709738"/>
-            <a:ext cx="10515600" cy="2852737"/>
+            <a:off x="3175" y="6400800"/>
+            <a:ext cx="12188825" cy="457200"/>
+          </a:xfrm>
+          <a:prstGeom prst="rect">
+            <a:avLst/>
+          </a:prstGeom>
+          <a:solidFill>
+            <a:schemeClr val="accent2"/>
+          </a:solidFill>
+          <a:ln>
+            <a:noFill/>
+          </a:ln>
+        </p:spPr>
+        <p:style>
+          <a:lnRef idx="2">
+            <a:schemeClr val="accent1">
+              <a:shade val="50000"/>
+            </a:schemeClr>
+          </a:lnRef>
+          <a:fillRef idx="1">
+            <a:schemeClr val="accent1"/>
+          </a:fillRef>
+          <a:effectRef idx="0">
+            <a:schemeClr val="accent1"/>
+          </a:effectRef>
+          <a:fontRef idx="minor">
+            <a:schemeClr val="lt1"/>
+          </a:fontRef>
+        </p:style>
+      </p:sp>
+      <p:sp>
+        <p:nvSpPr>
+          <p:cNvPr id="8" name="Rectangle 7"/>
+          <p:cNvSpPr/>
+          <p:nvPr/>
+        </p:nvSpPr>
+        <p:spPr>
+          <a:xfrm>
+            <a:off x="15" y="6334316"/>
+            <a:ext cx="12188825" cy="64008"/>
+          </a:xfrm>
+          <a:prstGeom prst="rect">
+            <a:avLst/>
+          </a:prstGeom>
+          <a:solidFill>
+            <a:schemeClr val="accent1"/>
+          </a:solidFill>
+          <a:ln>
+            <a:noFill/>
+          </a:ln>
+        </p:spPr>
+        <p:style>
+          <a:lnRef idx="2">
+            <a:schemeClr val="accent1">
+              <a:shade val="50000"/>
+            </a:schemeClr>
+          </a:lnRef>
+          <a:fillRef idx="1">
+            <a:schemeClr val="accent1"/>
+          </a:fillRef>
+          <a:effectRef idx="0">
+            <a:schemeClr val="accent1"/>
+          </a:effectRef>
+          <a:fontRef idx="minor">
+            <a:schemeClr val="lt1"/>
+          </a:fontRef>
+        </p:style>
+      </p:sp>
+      <p:sp>
+        <p:nvSpPr>
+          <p:cNvPr id="2" name="Title 1"/>
+          <p:cNvSpPr>
+            <a:spLocks noGrp="1"/>
+          </p:cNvSpPr>
+          <p:nvPr>
+            <p:ph type="title"/>
+          </p:nvPr>
+        </p:nvSpPr>
+        <p:spPr>
+          <a:xfrm>
+            <a:off x="1097280" y="758952"/>
+            <a:ext cx="10058400" cy="3566160"/>
           </a:xfrm>
         </p:spPr>
         <p:txBody>
-          <a:bodyPr anchor="b"/>
+          <a:bodyPr anchor="b" anchorCtr="0">
+            <a:normAutofit/>
+          </a:bodyPr>
           <a:lstStyle>
             <a:lvl1pPr>
-              <a:defRPr sz="6000"/>
-            </a:lvl1pPr>
-          </a:lstStyle>
-          <a:p>
-            <a:r>
-              <a:rPr lang="ru-RU"/>
-              <a:t>Образец заголовка</a:t>
-            </a:r>
-          </a:p>
-        </p:txBody>
-      </p:sp>
-      <p:sp>
-        <p:nvSpPr>
-          <p:cNvPr id="3" name="Текст 2"/>
-          <p:cNvSpPr>
-            <a:spLocks noGrp="1"/>
-          </p:cNvSpPr>
-          <p:nvPr>
-            <p:ph type="body" idx="1"/>
-          </p:nvPr>
-        </p:nvSpPr>
-        <p:spPr>
-          <a:xfrm>
-            <a:off x="831850" y="4589463"/>
-            <a:ext cx="10515600" cy="1500187"/>
-          </a:xfrm>
-        </p:spPr>
-        <p:txBody>
-          <a:bodyPr/>
-          <a:lstStyle>
-            <a:lvl1pPr marL="0" indent="0">
-              <a:buNone/>
-              <a:defRPr sz="2400">
+              <a:lnSpc>
+                <a:spcPct val="85000"/>
+              </a:lnSpc>
+              <a:defRPr sz="8000" b="0">
                 <a:solidFill>
                   <a:schemeClr val="tx1">
-                    <a:tint val="75000"/>
+                    <a:lumMod val="85000"/>
+                    <a:lumOff val="15000"/>
                   </a:schemeClr>
                 </a:solidFill>
               </a:defRPr>
             </a:lvl1pPr>
+          </a:lstStyle>
+          <a:p>
+            <a:r>
+              <a:rPr lang="ru-RU" smtClean="0"/>
+              <a:t>Образец заголовка</a:t>
+            </a:r>
+            <a:endParaRPr lang="en-US" dirty="0"/>
+          </a:p>
+        </p:txBody>
+      </p:sp>
+      <p:sp>
+        <p:nvSpPr>
+          <p:cNvPr id="3" name="Text Placeholder 2"/>
+          <p:cNvSpPr>
+            <a:spLocks noGrp="1"/>
+          </p:cNvSpPr>
+          <p:nvPr>
+            <p:ph type="body" idx="1"/>
+          </p:nvPr>
+        </p:nvSpPr>
+        <p:spPr>
+          <a:xfrm>
+            <a:off x="1097280" y="4453128"/>
+            <a:ext cx="10058400" cy="1143000"/>
+          </a:xfrm>
+        </p:spPr>
+        <p:txBody>
+          <a:bodyPr lIns="91440" rIns="91440" anchor="t" anchorCtr="0">
+            <a:normAutofit/>
+          </a:bodyPr>
+          <a:lstStyle>
+            <a:lvl1pPr marL="0" indent="0">
+              <a:buNone/>
+              <a:defRPr sz="2400" cap="all" spc="200" baseline="0">
+                <a:solidFill>
+                  <a:schemeClr val="tx2"/>
+                </a:solidFill>
+                <a:latin typeface="+mj-lt"/>
+              </a:defRPr>
+            </a:lvl1pPr>
             <a:lvl2pPr marL="457200" indent="0">
               <a:buNone/>
-              <a:defRPr sz="2000">
+              <a:defRPr sz="1800">
                 <a:solidFill>
                   <a:schemeClr val="tx1">
                     <a:tint val="75000"/>
@@ -918,7 +1237,7 @@
             </a:lvl2pPr>
             <a:lvl3pPr marL="914400" indent="0">
               <a:buNone/>
-              <a:defRPr sz="1800">
+              <a:defRPr sz="1600">
                 <a:solidFill>
                   <a:schemeClr val="tx1">
                     <a:tint val="75000"/>
@@ -928,7 +1247,7 @@
             </a:lvl3pPr>
             <a:lvl4pPr marL="1371600" indent="0">
               <a:buNone/>
-              <a:defRPr sz="1600">
+              <a:defRPr sz="1400">
                 <a:solidFill>
                   <a:schemeClr val="tx1">
                     <a:tint val="75000"/>
@@ -938,7 +1257,7 @@
             </a:lvl4pPr>
             <a:lvl5pPr marL="1828800" indent="0">
               <a:buNone/>
-              <a:defRPr sz="1600">
+              <a:defRPr sz="1400">
                 <a:solidFill>
                   <a:schemeClr val="tx1">
                     <a:tint val="75000"/>
@@ -948,7 +1267,7 @@
             </a:lvl5pPr>
             <a:lvl6pPr marL="2286000" indent="0">
               <a:buNone/>
-              <a:defRPr sz="1600">
+              <a:defRPr sz="1400">
                 <a:solidFill>
                   <a:schemeClr val="tx1">
                     <a:tint val="75000"/>
@@ -958,7 +1277,7 @@
             </a:lvl6pPr>
             <a:lvl7pPr marL="2743200" indent="0">
               <a:buNone/>
-              <a:defRPr sz="1600">
+              <a:defRPr sz="1400">
                 <a:solidFill>
                   <a:schemeClr val="tx1">
                     <a:tint val="75000"/>
@@ -968,7 +1287,7 @@
             </a:lvl7pPr>
             <a:lvl8pPr marL="3200400" indent="0">
               <a:buNone/>
-              <a:defRPr sz="1600">
+              <a:defRPr sz="1400">
                 <a:solidFill>
                   <a:schemeClr val="tx1">
                     <a:tint val="75000"/>
@@ -978,7 +1297,7 @@
             </a:lvl8pPr>
             <a:lvl9pPr marL="3657600" indent="0">
               <a:buNone/>
-              <a:defRPr sz="1600">
+              <a:defRPr sz="1400">
                 <a:solidFill>
                   <a:schemeClr val="tx1">
                     <a:tint val="75000"/>
@@ -990,7 +1309,7 @@
           <a:p>
             <a:pPr lvl="0"/>
             <a:r>
-              <a:rPr lang="ru-RU"/>
+              <a:rPr lang="ru-RU" smtClean="0"/>
               <a:t>Образец текста</a:t>
             </a:r>
           </a:p>
@@ -998,7 +1317,7 @@
       </p:sp>
       <p:sp>
         <p:nvSpPr>
-          <p:cNvPr id="4" name="Дата 3"/>
+          <p:cNvPr id="4" name="Date Placeholder 3"/>
           <p:cNvSpPr>
             <a:spLocks noGrp="1"/>
           </p:cNvSpPr>
@@ -1013,7 +1332,7 @@
           <a:p>
             <a:fld id="{F2FFB779-270B-4192-84BA-A697F48306DC}" type="datetimeFigureOut">
               <a:rPr lang="ru-RU" smtClean="0"/>
-              <a:t>11.05.2020</a:t>
+              <a:t>13.05.2020</a:t>
             </a:fld>
             <a:endParaRPr lang="ru-RU"/>
           </a:p>
@@ -1021,7 +1340,7 @@
       </p:sp>
       <p:sp>
         <p:nvSpPr>
-          <p:cNvPr id="5" name="Нижний колонтитул 4"/>
+          <p:cNvPr id="5" name="Footer Placeholder 4"/>
           <p:cNvSpPr>
             <a:spLocks noGrp="1"/>
           </p:cNvSpPr>
@@ -1040,7 +1359,7 @@
       </p:sp>
       <p:sp>
         <p:nvSpPr>
-          <p:cNvPr id="6" name="Номер слайда 5"/>
+          <p:cNvPr id="6" name="Slide Number Placeholder 5"/>
           <p:cNvSpPr>
             <a:spLocks noGrp="1"/>
           </p:cNvSpPr>
@@ -1061,10 +1380,48 @@
           </a:p>
         </p:txBody>
       </p:sp>
+      <p:cxnSp>
+        <p:nvCxnSpPr>
+          <p:cNvPr id="9" name="Straight Connector 8"/>
+          <p:cNvCxnSpPr/>
+          <p:nvPr/>
+        </p:nvCxnSpPr>
+        <p:spPr>
+          <a:xfrm>
+            <a:off x="1207658" y="4343400"/>
+            <a:ext cx="9875520" cy="0"/>
+          </a:xfrm>
+          <a:prstGeom prst="line">
+            <a:avLst/>
+          </a:prstGeom>
+          <a:ln w="6350">
+            <a:solidFill>
+              <a:schemeClr val="tx1">
+                <a:lumMod val="50000"/>
+                <a:lumOff val="50000"/>
+              </a:schemeClr>
+            </a:solidFill>
+          </a:ln>
+        </p:spPr>
+        <p:style>
+          <a:lnRef idx="1">
+            <a:schemeClr val="accent1"/>
+          </a:lnRef>
+          <a:fillRef idx="0">
+            <a:schemeClr val="accent1"/>
+          </a:fillRef>
+          <a:effectRef idx="0">
+            <a:schemeClr val="accent1"/>
+          </a:effectRef>
+          <a:fontRef idx="minor">
+            <a:schemeClr val="tx1"/>
+          </a:fontRef>
+        </p:style>
+      </p:cxnSp>
     </p:spTree>
     <p:extLst>
       <p:ext uri="{BB962C8B-B14F-4D97-AF65-F5344CB8AC3E}">
-        <p14:creationId xmlns:p14="http://schemas.microsoft.com/office/powerpoint/2010/main" val="4076369896"/>
+        <p14:creationId xmlns:p14="http://schemas.microsoft.com/office/powerpoint/2010/main" val="2754425863"/>
       </p:ext>
     </p:extLst>
   </p:cSld>
@@ -1093,96 +1450,46 @@
       </p:grpSpPr>
       <p:sp>
         <p:nvSpPr>
-          <p:cNvPr id="2" name="Заголовок 1"/>
+          <p:cNvPr id="8" name="Title 7"/>
           <p:cNvSpPr>
             <a:spLocks noGrp="1"/>
           </p:cNvSpPr>
           <p:nvPr>
             <p:ph type="title"/>
-          </p:nvPr>
-        </p:nvSpPr>
-        <p:spPr/>
-        <p:txBody>
-          <a:bodyPr/>
-          <a:lstStyle/>
-          <a:p>
-            <a:r>
-              <a:rPr lang="ru-RU"/>
-              <a:t>Образец заголовка</a:t>
-            </a:r>
-          </a:p>
-        </p:txBody>
-      </p:sp>
-      <p:sp>
-        <p:nvSpPr>
-          <p:cNvPr id="3" name="Объект 2"/>
-          <p:cNvSpPr>
-            <a:spLocks noGrp="1"/>
-          </p:cNvSpPr>
-          <p:nvPr>
-            <p:ph sz="half" idx="1"/>
           </p:nvPr>
         </p:nvSpPr>
         <p:spPr>
           <a:xfrm>
-            <a:off x="838200" y="1825625"/>
-            <a:ext cx="5181600" cy="4351338"/>
+            <a:off x="1097280" y="286603"/>
+            <a:ext cx="10058400" cy="1450757"/>
           </a:xfrm>
         </p:spPr>
         <p:txBody>
           <a:bodyPr/>
           <a:lstStyle/>
           <a:p>
-            <a:pPr lvl="0"/>
-            <a:r>
-              <a:rPr lang="ru-RU"/>
-              <a:t>Образец текста</a:t>
-            </a:r>
-          </a:p>
-          <a:p>
-            <a:pPr lvl="1"/>
-            <a:r>
-              <a:rPr lang="ru-RU"/>
-              <a:t>Второй уровень</a:t>
-            </a:r>
-          </a:p>
-          <a:p>
-            <a:pPr lvl="2"/>
-            <a:r>
-              <a:rPr lang="ru-RU"/>
-              <a:t>Третий уровень</a:t>
-            </a:r>
-          </a:p>
-          <a:p>
-            <a:pPr lvl="3"/>
-            <a:r>
-              <a:rPr lang="ru-RU"/>
-              <a:t>Четвертый уровень</a:t>
-            </a:r>
-          </a:p>
-          <a:p>
-            <a:pPr lvl="4"/>
-            <a:r>
-              <a:rPr lang="ru-RU"/>
-              <a:t>Пятый уровень</a:t>
-            </a:r>
-          </a:p>
-        </p:txBody>
-      </p:sp>
-      <p:sp>
-        <p:nvSpPr>
-          <p:cNvPr id="4" name="Объект 3"/>
-          <p:cNvSpPr>
-            <a:spLocks noGrp="1"/>
-          </p:cNvSpPr>
-          <p:nvPr>
-            <p:ph sz="half" idx="2"/>
+            <a:r>
+              <a:rPr lang="ru-RU" smtClean="0"/>
+              <a:t>Образец заголовка</a:t>
+            </a:r>
+            <a:endParaRPr lang="en-US" dirty="0"/>
+          </a:p>
+        </p:txBody>
+      </p:sp>
+      <p:sp>
+        <p:nvSpPr>
+          <p:cNvPr id="3" name="Content Placeholder 2"/>
+          <p:cNvSpPr>
+            <a:spLocks noGrp="1"/>
+          </p:cNvSpPr>
+          <p:nvPr>
+            <p:ph sz="half" idx="1"/>
           </p:nvPr>
         </p:nvSpPr>
         <p:spPr>
           <a:xfrm>
-            <a:off x="6172200" y="1825625"/>
-            <a:ext cx="5181600" cy="4351338"/>
+            <a:off x="1097279" y="1845734"/>
+            <a:ext cx="4937760" cy="4023360"/>
           </a:xfrm>
         </p:spPr>
         <p:txBody>
@@ -1191,43 +1498,101 @@
           <a:p>
             <a:pPr lvl="0"/>
             <a:r>
-              <a:rPr lang="ru-RU"/>
+              <a:rPr lang="ru-RU" smtClean="0"/>
               <a:t>Образец текста</a:t>
             </a:r>
           </a:p>
           <a:p>
             <a:pPr lvl="1"/>
             <a:r>
-              <a:rPr lang="ru-RU"/>
+              <a:rPr lang="ru-RU" smtClean="0"/>
               <a:t>Второй уровень</a:t>
             </a:r>
           </a:p>
           <a:p>
             <a:pPr lvl="2"/>
             <a:r>
-              <a:rPr lang="ru-RU"/>
+              <a:rPr lang="ru-RU" smtClean="0"/>
               <a:t>Третий уровень</a:t>
             </a:r>
           </a:p>
           <a:p>
             <a:pPr lvl="3"/>
             <a:r>
-              <a:rPr lang="ru-RU"/>
+              <a:rPr lang="ru-RU" smtClean="0"/>
               <a:t>Четвертый уровень</a:t>
             </a:r>
           </a:p>
           <a:p>
             <a:pPr lvl="4"/>
             <a:r>
-              <a:rPr lang="ru-RU"/>
+              <a:rPr lang="ru-RU" smtClean="0"/>
               <a:t>Пятый уровень</a:t>
             </a:r>
-          </a:p>
-        </p:txBody>
-      </p:sp>
-      <p:sp>
-        <p:nvSpPr>
-          <p:cNvPr id="5" name="Дата 4"/>
+            <a:endParaRPr lang="en-US" dirty="0"/>
+          </a:p>
+        </p:txBody>
+      </p:sp>
+      <p:sp>
+        <p:nvSpPr>
+          <p:cNvPr id="4" name="Content Placeholder 3"/>
+          <p:cNvSpPr>
+            <a:spLocks noGrp="1"/>
+          </p:cNvSpPr>
+          <p:nvPr>
+            <p:ph sz="half" idx="2"/>
+          </p:nvPr>
+        </p:nvSpPr>
+        <p:spPr>
+          <a:xfrm>
+            <a:off x="6217920" y="1845735"/>
+            <a:ext cx="4937760" cy="4023360"/>
+          </a:xfrm>
+        </p:spPr>
+        <p:txBody>
+          <a:bodyPr/>
+          <a:lstStyle/>
+          <a:p>
+            <a:pPr lvl="0"/>
+            <a:r>
+              <a:rPr lang="ru-RU" smtClean="0"/>
+              <a:t>Образец текста</a:t>
+            </a:r>
+          </a:p>
+          <a:p>
+            <a:pPr lvl="1"/>
+            <a:r>
+              <a:rPr lang="ru-RU" smtClean="0"/>
+              <a:t>Второй уровень</a:t>
+            </a:r>
+          </a:p>
+          <a:p>
+            <a:pPr lvl="2"/>
+            <a:r>
+              <a:rPr lang="ru-RU" smtClean="0"/>
+              <a:t>Третий уровень</a:t>
+            </a:r>
+          </a:p>
+          <a:p>
+            <a:pPr lvl="3"/>
+            <a:r>
+              <a:rPr lang="ru-RU" smtClean="0"/>
+              <a:t>Четвертый уровень</a:t>
+            </a:r>
+          </a:p>
+          <a:p>
+            <a:pPr lvl="4"/>
+            <a:r>
+              <a:rPr lang="ru-RU" smtClean="0"/>
+              <a:t>Пятый уровень</a:t>
+            </a:r>
+            <a:endParaRPr lang="en-US" dirty="0"/>
+          </a:p>
+        </p:txBody>
+      </p:sp>
+      <p:sp>
+        <p:nvSpPr>
+          <p:cNvPr id="5" name="Date Placeholder 4"/>
           <p:cNvSpPr>
             <a:spLocks noGrp="1"/>
           </p:cNvSpPr>
@@ -1242,7 +1607,7 @@
           <a:p>
             <a:fld id="{F2FFB779-270B-4192-84BA-A697F48306DC}" type="datetimeFigureOut">
               <a:rPr lang="ru-RU" smtClean="0"/>
-              <a:t>11.05.2020</a:t>
+              <a:t>13.05.2020</a:t>
             </a:fld>
             <a:endParaRPr lang="ru-RU"/>
           </a:p>
@@ -1250,7 +1615,7 @@
       </p:sp>
       <p:sp>
         <p:nvSpPr>
-          <p:cNvPr id="6" name="Нижний колонтитул 5"/>
+          <p:cNvPr id="6" name="Footer Placeholder 5"/>
           <p:cNvSpPr>
             <a:spLocks noGrp="1"/>
           </p:cNvSpPr>
@@ -1269,7 +1634,7 @@
       </p:sp>
       <p:sp>
         <p:nvSpPr>
-          <p:cNvPr id="7" name="Номер слайда 6"/>
+          <p:cNvPr id="7" name="Slide Number Placeholder 6"/>
           <p:cNvSpPr>
             <a:spLocks noGrp="1"/>
           </p:cNvSpPr>
@@ -1293,7 +1658,7 @@
     </p:spTree>
     <p:extLst>
       <p:ext uri="{BB962C8B-B14F-4D97-AF65-F5344CB8AC3E}">
-        <p14:creationId xmlns:p14="http://schemas.microsoft.com/office/powerpoint/2010/main" val="2625762208"/>
+        <p14:creationId xmlns:p14="http://schemas.microsoft.com/office/powerpoint/2010/main" val="563398259"/>
       </p:ext>
     </p:extLst>
   </p:cSld>
@@ -1322,7 +1687,7 @@
       </p:grpSpPr>
       <p:sp>
         <p:nvSpPr>
-          <p:cNvPr id="2" name="Заголовок 1"/>
+          <p:cNvPr id="10" name="Title 9"/>
           <p:cNvSpPr>
             <a:spLocks noGrp="1"/>
           </p:cNvSpPr>
@@ -1332,8 +1697,8 @@
         </p:nvSpPr>
         <p:spPr>
           <a:xfrm>
-            <a:off x="839788" y="365125"/>
-            <a:ext cx="10515600" cy="1325563"/>
+            <a:off x="1097280" y="286603"/>
+            <a:ext cx="10058400" cy="1450757"/>
           </a:xfrm>
         </p:spPr>
         <p:txBody>
@@ -1341,15 +1706,16 @@
           <a:lstStyle/>
           <a:p>
             <a:r>
-              <a:rPr lang="ru-RU"/>
+              <a:rPr lang="ru-RU" smtClean="0"/>
               <a:t>Образец заголовка</a:t>
             </a:r>
-          </a:p>
-        </p:txBody>
-      </p:sp>
-      <p:sp>
-        <p:nvSpPr>
-          <p:cNvPr id="3" name="Текст 2"/>
+            <a:endParaRPr lang="en-US" dirty="0"/>
+          </a:p>
+        </p:txBody>
+      </p:sp>
+      <p:sp>
+        <p:nvSpPr>
+          <p:cNvPr id="3" name="Text Placeholder 2"/>
           <p:cNvSpPr>
             <a:spLocks noGrp="1"/>
           </p:cNvSpPr>
@@ -1359,16 +1725,22 @@
         </p:nvSpPr>
         <p:spPr>
           <a:xfrm>
-            <a:off x="839788" y="1681163"/>
-            <a:ext cx="5157787" cy="823912"/>
+            <a:off x="1097280" y="1846052"/>
+            <a:ext cx="4937760" cy="736282"/>
           </a:xfrm>
         </p:spPr>
         <p:txBody>
-          <a:bodyPr anchor="b"/>
+          <a:bodyPr lIns="91440" rIns="91440" anchor="ctr">
+            <a:normAutofit/>
+          </a:bodyPr>
           <a:lstStyle>
             <a:lvl1pPr marL="0" indent="0">
               <a:buNone/>
-              <a:defRPr sz="2400" b="1"/>
+              <a:defRPr sz="2000" b="0" cap="all" baseline="0">
+                <a:solidFill>
+                  <a:schemeClr val="tx2"/>
+                </a:solidFill>
+              </a:defRPr>
             </a:lvl1pPr>
             <a:lvl2pPr marL="457200" indent="0">
               <a:buNone/>
@@ -1406,7 +1778,7 @@
           <a:p>
             <a:pPr lvl="0"/>
             <a:r>
-              <a:rPr lang="ru-RU"/>
+              <a:rPr lang="ru-RU" smtClean="0"/>
               <a:t>Образец текста</a:t>
             </a:r>
           </a:p>
@@ -1414,7 +1786,7 @@
       </p:sp>
       <p:sp>
         <p:nvSpPr>
-          <p:cNvPr id="4" name="Объект 3"/>
+          <p:cNvPr id="4" name="Content Placeholder 3"/>
           <p:cNvSpPr>
             <a:spLocks noGrp="1"/>
           </p:cNvSpPr>
@@ -1424,8 +1796,8 @@
         </p:nvSpPr>
         <p:spPr>
           <a:xfrm>
-            <a:off x="839788" y="2505075"/>
-            <a:ext cx="5157787" cy="3684588"/>
+            <a:off x="1097280" y="2582334"/>
+            <a:ext cx="4937760" cy="3378200"/>
           </a:xfrm>
         </p:spPr>
         <p:txBody>
@@ -1434,43 +1806,44 @@
           <a:p>
             <a:pPr lvl="0"/>
             <a:r>
-              <a:rPr lang="ru-RU"/>
+              <a:rPr lang="ru-RU" smtClean="0"/>
               <a:t>Образец текста</a:t>
             </a:r>
           </a:p>
           <a:p>
             <a:pPr lvl="1"/>
             <a:r>
-              <a:rPr lang="ru-RU"/>
+              <a:rPr lang="ru-RU" smtClean="0"/>
               <a:t>Второй уровень</a:t>
             </a:r>
           </a:p>
           <a:p>
             <a:pPr lvl="2"/>
             <a:r>
-              <a:rPr lang="ru-RU"/>
+              <a:rPr lang="ru-RU" smtClean="0"/>
               <a:t>Третий уровень</a:t>
             </a:r>
           </a:p>
           <a:p>
             <a:pPr lvl="3"/>
             <a:r>
-              <a:rPr lang="ru-RU"/>
+              <a:rPr lang="ru-RU" smtClean="0"/>
               <a:t>Четвертый уровень</a:t>
             </a:r>
           </a:p>
           <a:p>
             <a:pPr lvl="4"/>
             <a:r>
-              <a:rPr lang="ru-RU"/>
+              <a:rPr lang="ru-RU" smtClean="0"/>
               <a:t>Пятый уровень</a:t>
             </a:r>
-          </a:p>
-        </p:txBody>
-      </p:sp>
-      <p:sp>
-        <p:nvSpPr>
-          <p:cNvPr id="5" name="Текст 4"/>
+            <a:endParaRPr lang="en-US" dirty="0"/>
+          </a:p>
+        </p:txBody>
+      </p:sp>
+      <p:sp>
+        <p:nvSpPr>
+          <p:cNvPr id="5" name="Text Placeholder 4"/>
           <p:cNvSpPr>
             <a:spLocks noGrp="1"/>
           </p:cNvSpPr>
@@ -1480,16 +1853,22 @@
         </p:nvSpPr>
         <p:spPr>
           <a:xfrm>
-            <a:off x="6172200" y="1681163"/>
-            <a:ext cx="5183188" cy="823912"/>
+            <a:off x="6217920" y="1846052"/>
+            <a:ext cx="4937760" cy="736282"/>
           </a:xfrm>
         </p:spPr>
         <p:txBody>
-          <a:bodyPr anchor="b"/>
+          <a:bodyPr lIns="91440" rIns="91440" anchor="ctr">
+            <a:normAutofit/>
+          </a:bodyPr>
           <a:lstStyle>
             <a:lvl1pPr marL="0" indent="0">
               <a:buNone/>
-              <a:defRPr sz="2400" b="1"/>
+              <a:defRPr sz="2000" b="0" cap="all" baseline="0">
+                <a:solidFill>
+                  <a:schemeClr val="tx2"/>
+                </a:solidFill>
+              </a:defRPr>
             </a:lvl1pPr>
             <a:lvl2pPr marL="457200" indent="0">
               <a:buNone/>
@@ -1527,7 +1906,7 @@
           <a:p>
             <a:pPr lvl="0"/>
             <a:r>
-              <a:rPr lang="ru-RU"/>
+              <a:rPr lang="ru-RU" smtClean="0"/>
               <a:t>Образец текста</a:t>
             </a:r>
           </a:p>
@@ -1535,7 +1914,7 @@
       </p:sp>
       <p:sp>
         <p:nvSpPr>
-          <p:cNvPr id="6" name="Объект 5"/>
+          <p:cNvPr id="6" name="Content Placeholder 5"/>
           <p:cNvSpPr>
             <a:spLocks noGrp="1"/>
           </p:cNvSpPr>
@@ -1545,8 +1924,8 @@
         </p:nvSpPr>
         <p:spPr>
           <a:xfrm>
-            <a:off x="6172200" y="2505075"/>
-            <a:ext cx="5183188" cy="3684588"/>
+            <a:off x="6217920" y="2582334"/>
+            <a:ext cx="4937760" cy="3378200"/>
           </a:xfrm>
         </p:spPr>
         <p:txBody>
@@ -1555,43 +1934,44 @@
           <a:p>
             <a:pPr lvl="0"/>
             <a:r>
-              <a:rPr lang="ru-RU"/>
+              <a:rPr lang="ru-RU" smtClean="0"/>
               <a:t>Образец текста</a:t>
             </a:r>
           </a:p>
           <a:p>
             <a:pPr lvl="1"/>
             <a:r>
-              <a:rPr lang="ru-RU"/>
+              <a:rPr lang="ru-RU" smtClean="0"/>
               <a:t>Второй уровень</a:t>
             </a:r>
           </a:p>
           <a:p>
             <a:pPr lvl="2"/>
             <a:r>
-              <a:rPr lang="ru-RU"/>
+              <a:rPr lang="ru-RU" smtClean="0"/>
               <a:t>Третий уровень</a:t>
             </a:r>
           </a:p>
           <a:p>
             <a:pPr lvl="3"/>
             <a:r>
-              <a:rPr lang="ru-RU"/>
+              <a:rPr lang="ru-RU" smtClean="0"/>
               <a:t>Четвертый уровень</a:t>
             </a:r>
           </a:p>
           <a:p>
             <a:pPr lvl="4"/>
             <a:r>
-              <a:rPr lang="ru-RU"/>
+              <a:rPr lang="ru-RU" smtClean="0"/>
               <a:t>Пятый уровень</a:t>
             </a:r>
-          </a:p>
-        </p:txBody>
-      </p:sp>
-      <p:sp>
-        <p:nvSpPr>
-          <p:cNvPr id="7" name="Дата 6"/>
+            <a:endParaRPr lang="en-US" dirty="0"/>
+          </a:p>
+        </p:txBody>
+      </p:sp>
+      <p:sp>
+        <p:nvSpPr>
+          <p:cNvPr id="7" name="Date Placeholder 6"/>
           <p:cNvSpPr>
             <a:spLocks noGrp="1"/>
           </p:cNvSpPr>
@@ -1606,7 +1986,7 @@
           <a:p>
             <a:fld id="{F2FFB779-270B-4192-84BA-A697F48306DC}" type="datetimeFigureOut">
               <a:rPr lang="ru-RU" smtClean="0"/>
-              <a:t>11.05.2020</a:t>
+              <a:t>13.05.2020</a:t>
             </a:fld>
             <a:endParaRPr lang="ru-RU"/>
           </a:p>
@@ -1614,7 +1994,7 @@
       </p:sp>
       <p:sp>
         <p:nvSpPr>
-          <p:cNvPr id="8" name="Нижний колонтитул 7"/>
+          <p:cNvPr id="8" name="Footer Placeholder 7"/>
           <p:cNvSpPr>
             <a:spLocks noGrp="1"/>
           </p:cNvSpPr>
@@ -1633,7 +2013,7 @@
       </p:sp>
       <p:sp>
         <p:nvSpPr>
-          <p:cNvPr id="9" name="Номер слайда 8"/>
+          <p:cNvPr id="9" name="Slide Number Placeholder 8"/>
           <p:cNvSpPr>
             <a:spLocks noGrp="1"/>
           </p:cNvSpPr>
@@ -1657,7 +2037,7 @@
     </p:spTree>
     <p:extLst>
       <p:ext uri="{BB962C8B-B14F-4D97-AF65-F5344CB8AC3E}">
-        <p14:creationId xmlns:p14="http://schemas.microsoft.com/office/powerpoint/2010/main" val="188002762"/>
+        <p14:creationId xmlns:p14="http://schemas.microsoft.com/office/powerpoint/2010/main" val="1165422003"/>
       </p:ext>
     </p:extLst>
   </p:cSld>
@@ -1686,7 +2066,7 @@
       </p:grpSpPr>
       <p:sp>
         <p:nvSpPr>
-          <p:cNvPr id="2" name="Заголовок 1"/>
+          <p:cNvPr id="2" name="Title 1"/>
           <p:cNvSpPr>
             <a:spLocks noGrp="1"/>
           </p:cNvSpPr>
@@ -1700,15 +2080,16 @@
           <a:lstStyle/>
           <a:p>
             <a:r>
-              <a:rPr lang="ru-RU"/>
+              <a:rPr lang="ru-RU" smtClean="0"/>
               <a:t>Образец заголовка</a:t>
             </a:r>
-          </a:p>
-        </p:txBody>
-      </p:sp>
-      <p:sp>
-        <p:nvSpPr>
-          <p:cNvPr id="3" name="Дата 2"/>
+            <a:endParaRPr lang="en-US" dirty="0"/>
+          </a:p>
+        </p:txBody>
+      </p:sp>
+      <p:sp>
+        <p:nvSpPr>
+          <p:cNvPr id="3" name="Date Placeholder 2"/>
           <p:cNvSpPr>
             <a:spLocks noGrp="1"/>
           </p:cNvSpPr>
@@ -1723,7 +2104,7 @@
           <a:p>
             <a:fld id="{F2FFB779-270B-4192-84BA-A697F48306DC}" type="datetimeFigureOut">
               <a:rPr lang="ru-RU" smtClean="0"/>
-              <a:t>11.05.2020</a:t>
+              <a:t>13.05.2020</a:t>
             </a:fld>
             <a:endParaRPr lang="ru-RU"/>
           </a:p>
@@ -1731,7 +2112,7 @@
       </p:sp>
       <p:sp>
         <p:nvSpPr>
-          <p:cNvPr id="4" name="Нижний колонтитул 3"/>
+          <p:cNvPr id="4" name="Footer Placeholder 3"/>
           <p:cNvSpPr>
             <a:spLocks noGrp="1"/>
           </p:cNvSpPr>
@@ -1750,7 +2131,7 @@
       </p:sp>
       <p:sp>
         <p:nvSpPr>
-          <p:cNvPr id="5" name="Номер слайда 4"/>
+          <p:cNvPr id="5" name="Slide Number Placeholder 4"/>
           <p:cNvSpPr>
             <a:spLocks noGrp="1"/>
           </p:cNvSpPr>
@@ -1774,7 +2155,7 @@
     </p:spTree>
     <p:extLst>
       <p:ext uri="{BB962C8B-B14F-4D97-AF65-F5344CB8AC3E}">
-        <p14:creationId xmlns:p14="http://schemas.microsoft.com/office/powerpoint/2010/main" val="2295335545"/>
+        <p14:creationId xmlns:p14="http://schemas.microsoft.com/office/powerpoint/2010/main" val="203958597"/>
       </p:ext>
     </p:extLst>
   </p:cSld>
@@ -1785,7 +2166,7 @@
 </file>
 
 <file path=ppt/slideLayouts/slideLayout7.xml><?xml version="1.0" encoding="utf-8"?>
-<p:sldLayout xmlns:a="http://schemas.openxmlformats.org/drawingml/2006/main" xmlns:r="http://schemas.openxmlformats.org/officeDocument/2006/relationships" xmlns:p="http://schemas.openxmlformats.org/presentationml/2006/main" type="blank" preserve="1">
+<p:sldLayout xmlns:a="http://schemas.openxmlformats.org/drawingml/2006/main" xmlns:r="http://schemas.openxmlformats.org/officeDocument/2006/relationships" xmlns:p="http://schemas.openxmlformats.org/presentationml/2006/main" showMasterSp="0" type="blank" preserve="1">
   <p:cSld name="Пустой слайд">
     <p:spTree>
       <p:nvGrpSpPr>
@@ -1803,7 +2184,83 @@
       </p:grpSpPr>
       <p:sp>
         <p:nvSpPr>
-          <p:cNvPr id="2" name="Дата 1"/>
+          <p:cNvPr id="5" name="Rectangle 4"/>
+          <p:cNvSpPr/>
+          <p:nvPr/>
+        </p:nvSpPr>
+        <p:spPr>
+          <a:xfrm>
+            <a:off x="3175" y="6400800"/>
+            <a:ext cx="12188825" cy="457200"/>
+          </a:xfrm>
+          <a:prstGeom prst="rect">
+            <a:avLst/>
+          </a:prstGeom>
+          <a:solidFill>
+            <a:schemeClr val="accent2"/>
+          </a:solidFill>
+          <a:ln>
+            <a:noFill/>
+          </a:ln>
+        </p:spPr>
+        <p:style>
+          <a:lnRef idx="2">
+            <a:schemeClr val="accent1">
+              <a:shade val="50000"/>
+            </a:schemeClr>
+          </a:lnRef>
+          <a:fillRef idx="1">
+            <a:schemeClr val="accent1"/>
+          </a:fillRef>
+          <a:effectRef idx="0">
+            <a:schemeClr val="accent1"/>
+          </a:effectRef>
+          <a:fontRef idx="minor">
+            <a:schemeClr val="lt1"/>
+          </a:fontRef>
+        </p:style>
+      </p:sp>
+      <p:sp>
+        <p:nvSpPr>
+          <p:cNvPr id="6" name="Rectangle 5"/>
+          <p:cNvSpPr/>
+          <p:nvPr/>
+        </p:nvSpPr>
+        <p:spPr>
+          <a:xfrm>
+            <a:off x="15" y="6334316"/>
+            <a:ext cx="12188825" cy="64008"/>
+          </a:xfrm>
+          <a:prstGeom prst="rect">
+            <a:avLst/>
+          </a:prstGeom>
+          <a:solidFill>
+            <a:schemeClr val="accent1"/>
+          </a:solidFill>
+          <a:ln>
+            <a:noFill/>
+          </a:ln>
+        </p:spPr>
+        <p:style>
+          <a:lnRef idx="2">
+            <a:schemeClr val="accent1">
+              <a:shade val="50000"/>
+            </a:schemeClr>
+          </a:lnRef>
+          <a:fillRef idx="1">
+            <a:schemeClr val="accent1"/>
+          </a:fillRef>
+          <a:effectRef idx="0">
+            <a:schemeClr val="accent1"/>
+          </a:effectRef>
+          <a:fontRef idx="minor">
+            <a:schemeClr val="lt1"/>
+          </a:fontRef>
+        </p:style>
+      </p:sp>
+      <p:sp>
+        <p:nvSpPr>
+          <p:cNvPr id="7" name="Date Placeholder 6"/>
           <p:cNvSpPr>
             <a:spLocks noGrp="1"/>
           </p:cNvSpPr>
@@ -1818,7 +2275,7 @@
           <a:p>
             <a:fld id="{F2FFB779-270B-4192-84BA-A697F48306DC}" type="datetimeFigureOut">
               <a:rPr lang="ru-RU" smtClean="0"/>
-              <a:t>11.05.2020</a:t>
+              <a:t>13.05.2020</a:t>
             </a:fld>
             <a:endParaRPr lang="ru-RU"/>
           </a:p>
@@ -1826,7 +2283,7 @@
       </p:sp>
       <p:sp>
         <p:nvSpPr>
-          <p:cNvPr id="3" name="Нижний колонтитул 2"/>
+          <p:cNvPr id="8" name="Footer Placeholder 7"/>
           <p:cNvSpPr>
             <a:spLocks noGrp="1"/>
           </p:cNvSpPr>
@@ -1837,7 +2294,15 @@
         <p:spPr/>
         <p:txBody>
           <a:bodyPr/>
-          <a:lstStyle/>
+          <a:lstStyle>
+            <a:lvl1pPr>
+              <a:defRPr>
+                <a:solidFill>
+                  <a:srgbClr val="FFFFFF"/>
+                </a:solidFill>
+              </a:defRPr>
+            </a:lvl1pPr>
+          </a:lstStyle>
           <a:p>
             <a:endParaRPr lang="ru-RU"/>
           </a:p>
@@ -1845,7 +2310,7 @@
       </p:sp>
       <p:sp>
         <p:nvSpPr>
-          <p:cNvPr id="4" name="Номер слайда 3"/>
+          <p:cNvPr id="9" name="Slide Number Placeholder 8"/>
           <p:cNvSpPr>
             <a:spLocks noGrp="1"/>
           </p:cNvSpPr>
@@ -1869,7 +2334,7 @@
     </p:spTree>
     <p:extLst>
       <p:ext uri="{BB962C8B-B14F-4D97-AF65-F5344CB8AC3E}">
-        <p14:creationId xmlns:p14="http://schemas.microsoft.com/office/powerpoint/2010/main" val="1988754143"/>
+        <p14:creationId xmlns:p14="http://schemas.microsoft.com/office/powerpoint/2010/main" val="3693583558"/>
       </p:ext>
     </p:extLst>
   </p:cSld>
@@ -1880,7 +2345,7 @@
 </file>
 
 <file path=ppt/slideLayouts/slideLayout8.xml><?xml version="1.0" encoding="utf-8"?>
-<p:sldLayout xmlns:a="http://schemas.openxmlformats.org/drawingml/2006/main" xmlns:r="http://schemas.openxmlformats.org/officeDocument/2006/relationships" xmlns:p="http://schemas.openxmlformats.org/presentationml/2006/main" type="objTx" preserve="1">
+<p:sldLayout xmlns:a="http://schemas.openxmlformats.org/drawingml/2006/main" xmlns:r="http://schemas.openxmlformats.org/officeDocument/2006/relationships" xmlns:p="http://schemas.openxmlformats.org/presentationml/2006/main" showMasterSp="0" type="objTx" preserve="1">
   <p:cSld name="Объект с подписью">
     <p:spTree>
       <p:nvGrpSpPr>
@@ -1898,38 +2363,121 @@
       </p:grpSpPr>
       <p:sp>
         <p:nvSpPr>
-          <p:cNvPr id="2" name="Заголовок 1"/>
-          <p:cNvSpPr>
-            <a:spLocks noGrp="1"/>
-          </p:cNvSpPr>
-          <p:nvPr>
-            <p:ph type="title"/>
-          </p:nvPr>
+          <p:cNvPr id="8" name="Rectangle 7"/>
+          <p:cNvSpPr/>
+          <p:nvPr/>
         </p:nvSpPr>
         <p:spPr>
           <a:xfrm>
-            <a:off x="839788" y="457200"/>
-            <a:ext cx="3932237" cy="1600200"/>
+            <a:off x="16" y="0"/>
+            <a:ext cx="4050791" cy="6858000"/>
+          </a:xfrm>
+          <a:prstGeom prst="rect">
+            <a:avLst/>
+          </a:prstGeom>
+          <a:solidFill>
+            <a:schemeClr val="accent2"/>
+          </a:solidFill>
+          <a:ln>
+            <a:noFill/>
+          </a:ln>
+        </p:spPr>
+        <p:style>
+          <a:lnRef idx="2">
+            <a:schemeClr val="accent1">
+              <a:shade val="50000"/>
+            </a:schemeClr>
+          </a:lnRef>
+          <a:fillRef idx="1">
+            <a:schemeClr val="accent1"/>
+          </a:fillRef>
+          <a:effectRef idx="0">
+            <a:schemeClr val="accent1"/>
+          </a:effectRef>
+          <a:fontRef idx="minor">
+            <a:schemeClr val="lt1"/>
+          </a:fontRef>
+        </p:style>
+      </p:sp>
+      <p:sp>
+        <p:nvSpPr>
+          <p:cNvPr id="9" name="Rectangle 8"/>
+          <p:cNvSpPr/>
+          <p:nvPr/>
+        </p:nvSpPr>
+        <p:spPr>
+          <a:xfrm>
+            <a:off x="4040071" y="0"/>
+            <a:ext cx="64008" cy="6858000"/>
+          </a:xfrm>
+          <a:prstGeom prst="rect">
+            <a:avLst/>
+          </a:prstGeom>
+          <a:solidFill>
+            <a:schemeClr val="accent1"/>
+          </a:solidFill>
+          <a:ln>
+            <a:noFill/>
+          </a:ln>
+        </p:spPr>
+        <p:style>
+          <a:lnRef idx="2">
+            <a:schemeClr val="accent1">
+              <a:shade val="50000"/>
+            </a:schemeClr>
+          </a:lnRef>
+          <a:fillRef idx="1">
+            <a:schemeClr val="accent1"/>
+          </a:fillRef>
+          <a:effectRef idx="0">
+            <a:schemeClr val="accent1"/>
+          </a:effectRef>
+          <a:fontRef idx="minor">
+            <a:schemeClr val="lt1"/>
+          </a:fontRef>
+        </p:style>
+      </p:sp>
+      <p:sp>
+        <p:nvSpPr>
+          <p:cNvPr id="2" name="Title 1"/>
+          <p:cNvSpPr>
+            <a:spLocks noGrp="1"/>
+          </p:cNvSpPr>
+          <p:nvPr>
+            <p:ph type="title"/>
+          </p:nvPr>
+        </p:nvSpPr>
+        <p:spPr>
+          <a:xfrm>
+            <a:off x="457200" y="594359"/>
+            <a:ext cx="3200400" cy="2286000"/>
           </a:xfrm>
         </p:spPr>
         <p:txBody>
-          <a:bodyPr anchor="b"/>
+          <a:bodyPr anchor="b">
+            <a:normAutofit/>
+          </a:bodyPr>
           <a:lstStyle>
             <a:lvl1pPr>
-              <a:defRPr sz="3200"/>
+              <a:defRPr sz="3600" b="0">
+                <a:solidFill>
+                  <a:srgbClr val="FFFFFF"/>
+                </a:solidFill>
+              </a:defRPr>
             </a:lvl1pPr>
           </a:lstStyle>
           <a:p>
             <a:r>
-              <a:rPr lang="ru-RU"/>
+              <a:rPr lang="ru-RU" smtClean="0"/>
               <a:t>Образец заголовка</a:t>
             </a:r>
-          </a:p>
-        </p:txBody>
-      </p:sp>
-      <p:sp>
-        <p:nvSpPr>
-          <p:cNvPr id="3" name="Объект 2"/>
+            <a:endParaRPr lang="en-US" dirty="0"/>
+          </a:p>
+        </p:txBody>
+      </p:sp>
+      <p:sp>
+        <p:nvSpPr>
+          <p:cNvPr id="3" name="Content Placeholder 2"/>
           <p:cNvSpPr>
             <a:spLocks noGrp="1"/>
           </p:cNvSpPr>
@@ -1939,199 +2487,208 @@
         </p:nvSpPr>
         <p:spPr>
           <a:xfrm>
-            <a:off x="5183188" y="987425"/>
-            <a:ext cx="6172200" cy="4873625"/>
+            <a:off x="4800600" y="731520"/>
+            <a:ext cx="6492240" cy="5257800"/>
           </a:xfrm>
         </p:spPr>
+        <p:txBody>
+          <a:bodyPr/>
+          <a:lstStyle/>
+          <a:p>
+            <a:pPr lvl="0"/>
+            <a:r>
+              <a:rPr lang="ru-RU" smtClean="0"/>
+              <a:t>Образец текста</a:t>
+            </a:r>
+          </a:p>
+          <a:p>
+            <a:pPr lvl="1"/>
+            <a:r>
+              <a:rPr lang="ru-RU" smtClean="0"/>
+              <a:t>Второй уровень</a:t>
+            </a:r>
+          </a:p>
+          <a:p>
+            <a:pPr lvl="2"/>
+            <a:r>
+              <a:rPr lang="ru-RU" smtClean="0"/>
+              <a:t>Третий уровень</a:t>
+            </a:r>
+          </a:p>
+          <a:p>
+            <a:pPr lvl="3"/>
+            <a:r>
+              <a:rPr lang="ru-RU" smtClean="0"/>
+              <a:t>Четвертый уровень</a:t>
+            </a:r>
+          </a:p>
+          <a:p>
+            <a:pPr lvl="4"/>
+            <a:r>
+              <a:rPr lang="ru-RU" smtClean="0"/>
+              <a:t>Пятый уровень</a:t>
+            </a:r>
+            <a:endParaRPr lang="en-US" dirty="0"/>
+          </a:p>
+        </p:txBody>
+      </p:sp>
+      <p:sp>
+        <p:nvSpPr>
+          <p:cNvPr id="4" name="Text Placeholder 3"/>
+          <p:cNvSpPr>
+            <a:spLocks noGrp="1"/>
+          </p:cNvSpPr>
+          <p:nvPr>
+            <p:ph type="body" sz="half" idx="2"/>
+          </p:nvPr>
+        </p:nvSpPr>
+        <p:spPr>
+          <a:xfrm>
+            <a:off x="457200" y="2926080"/>
+            <a:ext cx="3200400" cy="3379124"/>
+          </a:xfrm>
+        </p:spPr>
+        <p:txBody>
+          <a:bodyPr lIns="91440" rIns="91440">
+            <a:normAutofit/>
+          </a:bodyPr>
+          <a:lstStyle>
+            <a:lvl1pPr marL="0" indent="0">
+              <a:buNone/>
+              <a:defRPr sz="1500">
+                <a:solidFill>
+                  <a:srgbClr val="FFFFFF"/>
+                </a:solidFill>
+              </a:defRPr>
+            </a:lvl1pPr>
+            <a:lvl2pPr marL="457200" indent="0">
+              <a:buNone/>
+              <a:defRPr sz="1200"/>
+            </a:lvl2pPr>
+            <a:lvl3pPr marL="914400" indent="0">
+              <a:buNone/>
+              <a:defRPr sz="1000"/>
+            </a:lvl3pPr>
+            <a:lvl4pPr marL="1371600" indent="0">
+              <a:buNone/>
+              <a:defRPr sz="900"/>
+            </a:lvl4pPr>
+            <a:lvl5pPr marL="1828800" indent="0">
+              <a:buNone/>
+              <a:defRPr sz="900"/>
+            </a:lvl5pPr>
+            <a:lvl6pPr marL="2286000" indent="0">
+              <a:buNone/>
+              <a:defRPr sz="900"/>
+            </a:lvl6pPr>
+            <a:lvl7pPr marL="2743200" indent="0">
+              <a:buNone/>
+              <a:defRPr sz="900"/>
+            </a:lvl7pPr>
+            <a:lvl8pPr marL="3200400" indent="0">
+              <a:buNone/>
+              <a:defRPr sz="900"/>
+            </a:lvl8pPr>
+            <a:lvl9pPr marL="3657600" indent="0">
+              <a:buNone/>
+              <a:defRPr sz="900"/>
+            </a:lvl9pPr>
+          </a:lstStyle>
+          <a:p>
+            <a:pPr lvl="0"/>
+            <a:r>
+              <a:rPr lang="ru-RU" smtClean="0"/>
+              <a:t>Образец текста</a:t>
+            </a:r>
+          </a:p>
+        </p:txBody>
+      </p:sp>
+      <p:sp>
+        <p:nvSpPr>
+          <p:cNvPr id="5" name="Date Placeholder 4"/>
+          <p:cNvSpPr>
+            <a:spLocks noGrp="1"/>
+          </p:cNvSpPr>
+          <p:nvPr>
+            <p:ph type="dt" sz="half" idx="10"/>
+          </p:nvPr>
+        </p:nvSpPr>
+        <p:spPr>
+          <a:xfrm>
+            <a:off x="465512" y="6459785"/>
+            <a:ext cx="2618510" cy="365125"/>
+          </a:xfrm>
+        </p:spPr>
+        <p:txBody>
+          <a:bodyPr/>
+          <a:lstStyle>
+            <a:lvl1pPr algn="l">
+              <a:defRPr/>
+            </a:lvl1pPr>
+          </a:lstStyle>
+          <a:p>
+            <a:fld id="{F2FFB779-270B-4192-84BA-A697F48306DC}" type="datetimeFigureOut">
+              <a:rPr lang="ru-RU" smtClean="0"/>
+              <a:t>13.05.2020</a:t>
+            </a:fld>
+            <a:endParaRPr lang="ru-RU"/>
+          </a:p>
+        </p:txBody>
+      </p:sp>
+      <p:sp>
+        <p:nvSpPr>
+          <p:cNvPr id="6" name="Footer Placeholder 5"/>
+          <p:cNvSpPr>
+            <a:spLocks noGrp="1"/>
+          </p:cNvSpPr>
+          <p:nvPr>
+            <p:ph type="ftr" sz="quarter" idx="11"/>
+          </p:nvPr>
+        </p:nvSpPr>
+        <p:spPr>
+          <a:xfrm>
+            <a:off x="4800600" y="6459785"/>
+            <a:ext cx="4648200" cy="365125"/>
+          </a:xfrm>
+        </p:spPr>
+        <p:txBody>
+          <a:bodyPr/>
+          <a:lstStyle>
+            <a:lvl1pPr algn="l">
+              <a:defRPr>
+                <a:solidFill>
+                  <a:schemeClr val="tx2"/>
+                </a:solidFill>
+              </a:defRPr>
+            </a:lvl1pPr>
+          </a:lstStyle>
+          <a:p>
+            <a:endParaRPr lang="ru-RU"/>
+          </a:p>
+        </p:txBody>
+      </p:sp>
+      <p:sp>
+        <p:nvSpPr>
+          <p:cNvPr id="7" name="Slide Number Placeholder 6"/>
+          <p:cNvSpPr>
+            <a:spLocks noGrp="1"/>
+          </p:cNvSpPr>
+          <p:nvPr>
+            <p:ph type="sldNum" sz="quarter" idx="12"/>
+          </p:nvPr>
+        </p:nvSpPr>
+        <p:spPr/>
         <p:txBody>
           <a:bodyPr/>
           <a:lstStyle>
             <a:lvl1pPr>
-              <a:defRPr sz="3200"/>
+              <a:defRPr>
+                <a:solidFill>
+                  <a:schemeClr val="tx2"/>
+                </a:solidFill>
+              </a:defRPr>
             </a:lvl1pPr>
-            <a:lvl2pPr>
-              <a:defRPr sz="2800"/>
-            </a:lvl2pPr>
-            <a:lvl3pPr>
-              <a:defRPr sz="2400"/>
-            </a:lvl3pPr>
-            <a:lvl4pPr>
-              <a:defRPr sz="2000"/>
-            </a:lvl4pPr>
-            <a:lvl5pPr>
-              <a:defRPr sz="2000"/>
-            </a:lvl5pPr>
-            <a:lvl6pPr>
-              <a:defRPr sz="2000"/>
-            </a:lvl6pPr>
-            <a:lvl7pPr>
-              <a:defRPr sz="2000"/>
-            </a:lvl7pPr>
-            <a:lvl8pPr>
-              <a:defRPr sz="2000"/>
-            </a:lvl8pPr>
-            <a:lvl9pPr>
-              <a:defRPr sz="2000"/>
-            </a:lvl9pPr>
           </a:lstStyle>
-          <a:p>
-            <a:pPr lvl="0"/>
-            <a:r>
-              <a:rPr lang="ru-RU"/>
-              <a:t>Образец текста</a:t>
-            </a:r>
-          </a:p>
-          <a:p>
-            <a:pPr lvl="1"/>
-            <a:r>
-              <a:rPr lang="ru-RU"/>
-              <a:t>Второй уровень</a:t>
-            </a:r>
-          </a:p>
-          <a:p>
-            <a:pPr lvl="2"/>
-            <a:r>
-              <a:rPr lang="ru-RU"/>
-              <a:t>Третий уровень</a:t>
-            </a:r>
-          </a:p>
-          <a:p>
-            <a:pPr lvl="3"/>
-            <a:r>
-              <a:rPr lang="ru-RU"/>
-              <a:t>Четвертый уровень</a:t>
-            </a:r>
-          </a:p>
-          <a:p>
-            <a:pPr lvl="4"/>
-            <a:r>
-              <a:rPr lang="ru-RU"/>
-              <a:t>Пятый уровень</a:t>
-            </a:r>
-          </a:p>
-        </p:txBody>
-      </p:sp>
-      <p:sp>
-        <p:nvSpPr>
-          <p:cNvPr id="4" name="Текст 3"/>
-          <p:cNvSpPr>
-            <a:spLocks noGrp="1"/>
-          </p:cNvSpPr>
-          <p:nvPr>
-            <p:ph type="body" sz="half" idx="2"/>
-          </p:nvPr>
-        </p:nvSpPr>
-        <p:spPr>
-          <a:xfrm>
-            <a:off x="839788" y="2057400"/>
-            <a:ext cx="3932237" cy="3811588"/>
-          </a:xfrm>
-        </p:spPr>
-        <p:txBody>
-          <a:bodyPr/>
-          <a:lstStyle>
-            <a:lvl1pPr marL="0" indent="0">
-              <a:buNone/>
-              <a:defRPr sz="1600"/>
-            </a:lvl1pPr>
-            <a:lvl2pPr marL="457200" indent="0">
-              <a:buNone/>
-              <a:defRPr sz="1400"/>
-            </a:lvl2pPr>
-            <a:lvl3pPr marL="914400" indent="0">
-              <a:buNone/>
-              <a:defRPr sz="1200"/>
-            </a:lvl3pPr>
-            <a:lvl4pPr marL="1371600" indent="0">
-              <a:buNone/>
-              <a:defRPr sz="1000"/>
-            </a:lvl4pPr>
-            <a:lvl5pPr marL="1828800" indent="0">
-              <a:buNone/>
-              <a:defRPr sz="1000"/>
-            </a:lvl5pPr>
-            <a:lvl6pPr marL="2286000" indent="0">
-              <a:buNone/>
-              <a:defRPr sz="1000"/>
-            </a:lvl6pPr>
-            <a:lvl7pPr marL="2743200" indent="0">
-              <a:buNone/>
-              <a:defRPr sz="1000"/>
-            </a:lvl7pPr>
-            <a:lvl8pPr marL="3200400" indent="0">
-              <a:buNone/>
-              <a:defRPr sz="1000"/>
-            </a:lvl8pPr>
-            <a:lvl9pPr marL="3657600" indent="0">
-              <a:buNone/>
-              <a:defRPr sz="1000"/>
-            </a:lvl9pPr>
-          </a:lstStyle>
-          <a:p>
-            <a:pPr lvl="0"/>
-            <a:r>
-              <a:rPr lang="ru-RU"/>
-              <a:t>Образец текста</a:t>
-            </a:r>
-          </a:p>
-        </p:txBody>
-      </p:sp>
-      <p:sp>
-        <p:nvSpPr>
-          <p:cNvPr id="5" name="Дата 4"/>
-          <p:cNvSpPr>
-            <a:spLocks noGrp="1"/>
-          </p:cNvSpPr>
-          <p:nvPr>
-            <p:ph type="dt" sz="half" idx="10"/>
-          </p:nvPr>
-        </p:nvSpPr>
-        <p:spPr/>
-        <p:txBody>
-          <a:bodyPr/>
-          <a:lstStyle/>
-          <a:p>
-            <a:fld id="{F2FFB779-270B-4192-84BA-A697F48306DC}" type="datetimeFigureOut">
-              <a:rPr lang="ru-RU" smtClean="0"/>
-              <a:t>11.05.2020</a:t>
-            </a:fld>
-            <a:endParaRPr lang="ru-RU"/>
-          </a:p>
-        </p:txBody>
-      </p:sp>
-      <p:sp>
-        <p:nvSpPr>
-          <p:cNvPr id="6" name="Нижний колонтитул 5"/>
-          <p:cNvSpPr>
-            <a:spLocks noGrp="1"/>
-          </p:cNvSpPr>
-          <p:nvPr>
-            <p:ph type="ftr" sz="quarter" idx="11"/>
-          </p:nvPr>
-        </p:nvSpPr>
-        <p:spPr/>
-        <p:txBody>
-          <a:bodyPr/>
-          <a:lstStyle/>
-          <a:p>
-            <a:endParaRPr lang="ru-RU"/>
-          </a:p>
-        </p:txBody>
-      </p:sp>
-      <p:sp>
-        <p:nvSpPr>
-          <p:cNvPr id="7" name="Номер слайда 6"/>
-          <p:cNvSpPr>
-            <a:spLocks noGrp="1"/>
-          </p:cNvSpPr>
-          <p:nvPr>
-            <p:ph type="sldNum" sz="quarter" idx="12"/>
-          </p:nvPr>
-        </p:nvSpPr>
-        <p:spPr/>
-        <p:txBody>
-          <a:bodyPr/>
-          <a:lstStyle/>
           <a:p>
             <a:fld id="{285DC19C-03DA-4066-9FF7-D0BF1BC6D6F6}" type="slidenum">
               <a:rPr lang="ru-RU" smtClean="0"/>
@@ -2144,7 +2701,7 @@
     </p:spTree>
     <p:extLst>
       <p:ext uri="{BB962C8B-B14F-4D97-AF65-F5344CB8AC3E}">
-        <p14:creationId xmlns:p14="http://schemas.microsoft.com/office/powerpoint/2010/main" val="3665695281"/>
+        <p14:creationId xmlns:p14="http://schemas.microsoft.com/office/powerpoint/2010/main" val="3155374183"/>
       </p:ext>
     </p:extLst>
   </p:cSld>
@@ -2155,7 +2712,7 @@
 </file>
 
 <file path=ppt/slideLayouts/slideLayout9.xml><?xml version="1.0" encoding="utf-8"?>
-<p:sldLayout xmlns:a="http://schemas.openxmlformats.org/drawingml/2006/main" xmlns:r="http://schemas.openxmlformats.org/officeDocument/2006/relationships" xmlns:p="http://schemas.openxmlformats.org/presentationml/2006/main" type="picTx" preserve="1">
+<p:sldLayout xmlns:a="http://schemas.openxmlformats.org/drawingml/2006/main" xmlns:r="http://schemas.openxmlformats.org/officeDocument/2006/relationships" xmlns:p="http://schemas.openxmlformats.org/presentationml/2006/main" showMasterSp="0" type="picTx" preserve="1">
   <p:cSld name="Рисунок с подписью">
     <p:spTree>
       <p:nvGrpSpPr>
@@ -2173,40 +2730,123 @@
       </p:grpSpPr>
       <p:sp>
         <p:nvSpPr>
-          <p:cNvPr id="2" name="Заголовок 1"/>
-          <p:cNvSpPr>
-            <a:spLocks noGrp="1"/>
-          </p:cNvSpPr>
-          <p:nvPr>
-            <p:ph type="title"/>
-          </p:nvPr>
+          <p:cNvPr id="8" name="Rectangle 7"/>
+          <p:cNvSpPr/>
+          <p:nvPr/>
         </p:nvSpPr>
         <p:spPr>
           <a:xfrm>
-            <a:off x="839788" y="457200"/>
-            <a:ext cx="3932237" cy="1600200"/>
+            <a:off x="0" y="4953000"/>
+            <a:ext cx="12188825" cy="1905000"/>
+          </a:xfrm>
+          <a:prstGeom prst="rect">
+            <a:avLst/>
+          </a:prstGeom>
+          <a:solidFill>
+            <a:schemeClr val="accent2"/>
+          </a:solidFill>
+          <a:ln>
+            <a:noFill/>
+          </a:ln>
+        </p:spPr>
+        <p:style>
+          <a:lnRef idx="2">
+            <a:schemeClr val="accent1">
+              <a:shade val="50000"/>
+            </a:schemeClr>
+          </a:lnRef>
+          <a:fillRef idx="1">
+            <a:schemeClr val="accent1"/>
+          </a:fillRef>
+          <a:effectRef idx="0">
+            <a:schemeClr val="accent1"/>
+          </a:effectRef>
+          <a:fontRef idx="minor">
+            <a:schemeClr val="lt1"/>
+          </a:fontRef>
+        </p:style>
+      </p:sp>
+      <p:sp>
+        <p:nvSpPr>
+          <p:cNvPr id="9" name="Rectangle 8"/>
+          <p:cNvSpPr/>
+          <p:nvPr/>
+        </p:nvSpPr>
+        <p:spPr>
+          <a:xfrm>
+            <a:off x="15" y="4915076"/>
+            <a:ext cx="12188825" cy="64008"/>
+          </a:xfrm>
+          <a:prstGeom prst="rect">
+            <a:avLst/>
+          </a:prstGeom>
+          <a:solidFill>
+            <a:schemeClr val="accent1"/>
+          </a:solidFill>
+          <a:ln>
+            <a:noFill/>
+          </a:ln>
+        </p:spPr>
+        <p:style>
+          <a:lnRef idx="2">
+            <a:schemeClr val="accent1">
+              <a:shade val="50000"/>
+            </a:schemeClr>
+          </a:lnRef>
+          <a:fillRef idx="1">
+            <a:schemeClr val="accent1"/>
+          </a:fillRef>
+          <a:effectRef idx="0">
+            <a:schemeClr val="accent1"/>
+          </a:effectRef>
+          <a:fontRef idx="minor">
+            <a:schemeClr val="lt1"/>
+          </a:fontRef>
+        </p:style>
+      </p:sp>
+      <p:sp>
+        <p:nvSpPr>
+          <p:cNvPr id="2" name="Title 1"/>
+          <p:cNvSpPr>
+            <a:spLocks noGrp="1"/>
+          </p:cNvSpPr>
+          <p:nvPr>
+            <p:ph type="title"/>
+          </p:nvPr>
+        </p:nvSpPr>
+        <p:spPr>
+          <a:xfrm>
+            <a:off x="1097280" y="5074920"/>
+            <a:ext cx="10113264" cy="822960"/>
           </a:xfrm>
         </p:spPr>
         <p:txBody>
-          <a:bodyPr anchor="b"/>
+          <a:bodyPr lIns="91440" tIns="0" rIns="91440" bIns="0" anchor="b">
+            <a:noAutofit/>
+          </a:bodyPr>
           <a:lstStyle>
             <a:lvl1pPr>
-              <a:defRPr sz="3200"/>
+              <a:defRPr sz="3600" b="0">
+                <a:solidFill>
+                  <a:srgbClr val="FFFFFF"/>
+                </a:solidFill>
+              </a:defRPr>
             </a:lvl1pPr>
           </a:lstStyle>
           <a:p>
             <a:r>
-              <a:rPr lang="ru-RU"/>
+              <a:rPr lang="ru-RU" smtClean="0"/>
               <a:t>Образец заголовка</a:t>
             </a:r>
-          </a:p>
-        </p:txBody>
-      </p:sp>
-      <p:sp>
-        <p:nvSpPr>
-          <p:cNvPr id="3" name="Рисунок 2"/>
-          <p:cNvSpPr>
-            <a:spLocks noGrp="1"/>
+            <a:endParaRPr lang="en-US" dirty="0"/>
+          </a:p>
+        </p:txBody>
+      </p:sp>
+      <p:sp>
+        <p:nvSpPr>
+          <p:cNvPr id="3" name="Picture Placeholder 2"/>
+          <p:cNvSpPr>
+            <a:spLocks noGrp="1" noChangeAspect="1"/>
           </p:cNvSpPr>
           <p:nvPr>
             <p:ph type="pic" idx="1"/>
@@ -2214,16 +2854,26 @@
         </p:nvSpPr>
         <p:spPr>
           <a:xfrm>
-            <a:off x="5183188" y="987425"/>
-            <a:ext cx="6172200" cy="4873625"/>
+            <a:off x="15" y="0"/>
+            <a:ext cx="12191985" cy="4915076"/>
           </a:xfrm>
+          <a:blipFill>
+            <a:blip r:embed="rId2"/>
+            <a:stretch>
+              <a:fillRect/>
+            </a:stretch>
+          </a:blipFill>
         </p:spPr>
         <p:txBody>
-          <a:bodyPr/>
+          <a:bodyPr lIns="457200" tIns="457200" anchor="t"/>
           <a:lstStyle>
             <a:lvl1pPr marL="0" indent="0">
               <a:buNone/>
-              <a:defRPr sz="3200"/>
+              <a:defRPr sz="3200">
+                <a:solidFill>
+                  <a:schemeClr val="bg1"/>
+                </a:solidFill>
+              </a:defRPr>
             </a:lvl1pPr>
             <a:lvl2pPr marL="457200" indent="0">
               <a:buNone/>
@@ -2259,13 +2909,17 @@
             </a:lvl9pPr>
           </a:lstStyle>
           <a:p>
-            <a:endParaRPr lang="ru-RU"/>
-          </a:p>
-        </p:txBody>
-      </p:sp>
-      <p:sp>
-        <p:nvSpPr>
-          <p:cNvPr id="4" name="Текст 3"/>
+            <a:r>
+              <a:rPr lang="ru-RU" smtClean="0"/>
+              <a:t>Вставка рисунка</a:t>
+            </a:r>
+            <a:endParaRPr lang="en-US" dirty="0"/>
+          </a:p>
+        </p:txBody>
+      </p:sp>
+      <p:sp>
+        <p:nvSpPr>
+          <p:cNvPr id="4" name="Text Placeholder 3"/>
           <p:cNvSpPr>
             <a:spLocks noGrp="1"/>
           </p:cNvSpPr>
@@ -2275,54 +2929,66 @@
         </p:nvSpPr>
         <p:spPr>
           <a:xfrm>
-            <a:off x="839788" y="2057400"/>
-            <a:ext cx="3932237" cy="3811588"/>
+            <a:off x="1097280" y="5907023"/>
+            <a:ext cx="10113264" cy="594360"/>
           </a:xfrm>
         </p:spPr>
         <p:txBody>
-          <a:bodyPr/>
+          <a:bodyPr lIns="91440" tIns="0" rIns="91440" bIns="0">
+            <a:normAutofit/>
+          </a:bodyPr>
           <a:lstStyle>
             <a:lvl1pPr marL="0" indent="0">
-              <a:buNone/>
-              <a:defRPr sz="1600"/>
+              <a:spcBef>
+                <a:spcPts val="0"/>
+              </a:spcBef>
+              <a:spcAft>
+                <a:spcPts val="600"/>
+              </a:spcAft>
+              <a:buNone/>
+              <a:defRPr sz="1500">
+                <a:solidFill>
+                  <a:srgbClr val="FFFFFF"/>
+                </a:solidFill>
+              </a:defRPr>
             </a:lvl1pPr>
             <a:lvl2pPr marL="457200" indent="0">
               <a:buNone/>
-              <a:defRPr sz="1400"/>
+              <a:defRPr sz="1200"/>
             </a:lvl2pPr>
             <a:lvl3pPr marL="914400" indent="0">
               <a:buNone/>
-              <a:defRPr sz="1200"/>
+              <a:defRPr sz="1000"/>
             </a:lvl3pPr>
             <a:lvl4pPr marL="1371600" indent="0">
               <a:buNone/>
-              <a:defRPr sz="1000"/>
+              <a:defRPr sz="900"/>
             </a:lvl4pPr>
             <a:lvl5pPr marL="1828800" indent="0">
               <a:buNone/>
-              <a:defRPr sz="1000"/>
+              <a:defRPr sz="900"/>
             </a:lvl5pPr>
             <a:lvl6pPr marL="2286000" indent="0">
               <a:buNone/>
-              <a:defRPr sz="1000"/>
+              <a:defRPr sz="900"/>
             </a:lvl6pPr>
             <a:lvl7pPr marL="2743200" indent="0">
               <a:buNone/>
-              <a:defRPr sz="1000"/>
+              <a:defRPr sz="900"/>
             </a:lvl7pPr>
             <a:lvl8pPr marL="3200400" indent="0">
               <a:buNone/>
-              <a:defRPr sz="1000"/>
+              <a:defRPr sz="900"/>
             </a:lvl8pPr>
             <a:lvl9pPr marL="3657600" indent="0">
               <a:buNone/>
-              <a:defRPr sz="1000"/>
+              <a:defRPr sz="900"/>
             </a:lvl9pPr>
           </a:lstStyle>
           <a:p>
             <a:pPr lvl="0"/>
             <a:r>
-              <a:rPr lang="ru-RU"/>
+              <a:rPr lang="ru-RU" smtClean="0"/>
               <a:t>Образец текста</a:t>
             </a:r>
           </a:p>
@@ -2330,7 +2996,7 @@
       </p:sp>
       <p:sp>
         <p:nvSpPr>
-          <p:cNvPr id="5" name="Дата 4"/>
+          <p:cNvPr id="5" name="Date Placeholder 4"/>
           <p:cNvSpPr>
             <a:spLocks noGrp="1"/>
           </p:cNvSpPr>
@@ -2345,7 +3011,7 @@
           <a:p>
             <a:fld id="{F2FFB779-270B-4192-84BA-A697F48306DC}" type="datetimeFigureOut">
               <a:rPr lang="ru-RU" smtClean="0"/>
-              <a:t>11.05.2020</a:t>
+              <a:t>13.05.2020</a:t>
             </a:fld>
             <a:endParaRPr lang="ru-RU"/>
           </a:p>
@@ -2353,7 +3019,7 @@
       </p:sp>
       <p:sp>
         <p:nvSpPr>
-          <p:cNvPr id="6" name="Нижний колонтитул 5"/>
+          <p:cNvPr id="6" name="Footer Placeholder 5"/>
           <p:cNvSpPr>
             <a:spLocks noGrp="1"/>
           </p:cNvSpPr>
@@ -2372,7 +3038,7 @@
       </p:sp>
       <p:sp>
         <p:nvSpPr>
-          <p:cNvPr id="7" name="Номер слайда 6"/>
+          <p:cNvPr id="7" name="Slide Number Placeholder 6"/>
           <p:cNvSpPr>
             <a:spLocks noGrp="1"/>
           </p:cNvSpPr>
@@ -2396,7 +3062,7 @@
     </p:spTree>
     <p:extLst>
       <p:ext uri="{BB962C8B-B14F-4D97-AF65-F5344CB8AC3E}">
-        <p14:creationId xmlns:p14="http://schemas.microsoft.com/office/powerpoint/2010/main" val="2134169247"/>
+        <p14:creationId xmlns:p14="http://schemas.microsoft.com/office/powerpoint/2010/main" val="3319696990"/>
       </p:ext>
     </p:extLst>
   </p:cSld>
@@ -2430,39 +3096,116 @@
       </p:grpSpPr>
       <p:sp>
         <p:nvSpPr>
-          <p:cNvPr id="2" name="Заголовок 1"/>
-          <p:cNvSpPr>
-            <a:spLocks noGrp="1"/>
-          </p:cNvSpPr>
-          <p:nvPr>
-            <p:ph type="title"/>
-          </p:nvPr>
+          <p:cNvPr id="7" name="Rectangle 6"/>
+          <p:cNvSpPr/>
+          <p:nvPr/>
         </p:nvSpPr>
         <p:spPr>
           <a:xfrm>
-            <a:off x="838200" y="365125"/>
-            <a:ext cx="10515600" cy="1325563"/>
+            <a:off x="1" y="6400800"/>
+            <a:ext cx="12192000" cy="457200"/>
+          </a:xfrm>
+          <a:prstGeom prst="rect">
+            <a:avLst/>
+          </a:prstGeom>
+          <a:solidFill>
+            <a:schemeClr val="accent2"/>
+          </a:solidFill>
+          <a:ln>
+            <a:noFill/>
+          </a:ln>
+        </p:spPr>
+        <p:style>
+          <a:lnRef idx="2">
+            <a:schemeClr val="accent1">
+              <a:shade val="50000"/>
+            </a:schemeClr>
+          </a:lnRef>
+          <a:fillRef idx="1">
+            <a:schemeClr val="accent1"/>
+          </a:fillRef>
+          <a:effectRef idx="0">
+            <a:schemeClr val="accent1"/>
+          </a:effectRef>
+          <a:fontRef idx="minor">
+            <a:schemeClr val="lt1"/>
+          </a:fontRef>
+        </p:style>
+      </p:sp>
+      <p:sp>
+        <p:nvSpPr>
+          <p:cNvPr id="9" name="Rectangle 8"/>
+          <p:cNvSpPr/>
+          <p:nvPr/>
+        </p:nvSpPr>
+        <p:spPr>
+          <a:xfrm>
+            <a:off x="0" y="6334316"/>
+            <a:ext cx="12192001" cy="65998"/>
+          </a:xfrm>
+          <a:prstGeom prst="rect">
+            <a:avLst/>
+          </a:prstGeom>
+          <a:solidFill>
+            <a:schemeClr val="accent1"/>
+          </a:solidFill>
+          <a:ln>
+            <a:noFill/>
+          </a:ln>
+        </p:spPr>
+        <p:style>
+          <a:lnRef idx="2">
+            <a:schemeClr val="accent1">
+              <a:shade val="50000"/>
+            </a:schemeClr>
+          </a:lnRef>
+          <a:fillRef idx="1">
+            <a:schemeClr val="accent1"/>
+          </a:fillRef>
+          <a:effectRef idx="0">
+            <a:schemeClr val="accent1"/>
+          </a:effectRef>
+          <a:fontRef idx="minor">
+            <a:schemeClr val="lt1"/>
+          </a:fontRef>
+        </p:style>
+      </p:sp>
+      <p:sp>
+        <p:nvSpPr>
+          <p:cNvPr id="2" name="Title Placeholder 1"/>
+          <p:cNvSpPr>
+            <a:spLocks noGrp="1"/>
+          </p:cNvSpPr>
+          <p:nvPr>
+            <p:ph type="title"/>
+          </p:nvPr>
+        </p:nvSpPr>
+        <p:spPr>
+          <a:xfrm>
+            <a:off x="1097280" y="286603"/>
+            <a:ext cx="10058400" cy="1450757"/>
           </a:xfrm>
           <a:prstGeom prst="rect">
             <a:avLst/>
           </a:prstGeom>
         </p:spPr>
         <p:txBody>
-          <a:bodyPr vert="horz" lIns="91440" tIns="45720" rIns="91440" bIns="45720" rtlCol="0" anchor="ctr">
+          <a:bodyPr vert="horz" lIns="91440" tIns="45720" rIns="91440" bIns="45720" rtlCol="0" anchor="b">
             <a:normAutofit/>
           </a:bodyPr>
           <a:lstStyle/>
           <a:p>
             <a:r>
-              <a:rPr lang="ru-RU"/>
+              <a:rPr lang="ru-RU" smtClean="0"/>
               <a:t>Образец заголовка</a:t>
             </a:r>
-          </a:p>
-        </p:txBody>
-      </p:sp>
-      <p:sp>
-        <p:nvSpPr>
-          <p:cNvPr id="3" name="Текст 2"/>
+            <a:endParaRPr lang="en-US" dirty="0"/>
+          </a:p>
+        </p:txBody>
+      </p:sp>
+      <p:sp>
+        <p:nvSpPr>
+          <p:cNvPr id="3" name="Text Placeholder 2"/>
           <p:cNvSpPr>
             <a:spLocks noGrp="1"/>
           </p:cNvSpPr>
@@ -2472,58 +3215,59 @@
         </p:nvSpPr>
         <p:spPr>
           <a:xfrm>
-            <a:off x="838200" y="1825625"/>
-            <a:ext cx="10515600" cy="4351338"/>
+            <a:off x="1097280" y="1845734"/>
+            <a:ext cx="10058400" cy="4023360"/>
           </a:xfrm>
           <a:prstGeom prst="rect">
             <a:avLst/>
           </a:prstGeom>
         </p:spPr>
         <p:txBody>
-          <a:bodyPr vert="horz" lIns="91440" tIns="45720" rIns="91440" bIns="45720" rtlCol="0">
+          <a:bodyPr vert="horz" lIns="0" tIns="45720" rIns="0" bIns="45720" rtlCol="0">
             <a:normAutofit/>
           </a:bodyPr>
           <a:lstStyle/>
           <a:p>
             <a:pPr lvl="0"/>
             <a:r>
-              <a:rPr lang="ru-RU"/>
+              <a:rPr lang="ru-RU" smtClean="0"/>
               <a:t>Образец текста</a:t>
             </a:r>
           </a:p>
           <a:p>
             <a:pPr lvl="1"/>
             <a:r>
-              <a:rPr lang="ru-RU"/>
+              <a:rPr lang="ru-RU" smtClean="0"/>
               <a:t>Второй уровень</a:t>
             </a:r>
           </a:p>
           <a:p>
             <a:pPr lvl="2"/>
             <a:r>
-              <a:rPr lang="ru-RU"/>
+              <a:rPr lang="ru-RU" smtClean="0"/>
               <a:t>Третий уровень</a:t>
             </a:r>
           </a:p>
           <a:p>
             <a:pPr lvl="3"/>
             <a:r>
-              <a:rPr lang="ru-RU"/>
+              <a:rPr lang="ru-RU" smtClean="0"/>
               <a:t>Четвертый уровень</a:t>
             </a:r>
           </a:p>
           <a:p>
             <a:pPr lvl="4"/>
             <a:r>
-              <a:rPr lang="ru-RU"/>
+              <a:rPr lang="ru-RU" smtClean="0"/>
               <a:t>Пятый уровень</a:t>
             </a:r>
-          </a:p>
-        </p:txBody>
-      </p:sp>
-      <p:sp>
-        <p:nvSpPr>
-          <p:cNvPr id="4" name="Дата 3"/>
+            <a:endParaRPr lang="en-US" dirty="0"/>
+          </a:p>
+        </p:txBody>
+      </p:sp>
+      <p:sp>
+        <p:nvSpPr>
+          <p:cNvPr id="4" name="Date Placeholder 3"/>
           <p:cNvSpPr>
             <a:spLocks noGrp="1"/>
           </p:cNvSpPr>
@@ -2533,8 +3277,8 @@
         </p:nvSpPr>
         <p:spPr>
           <a:xfrm>
-            <a:off x="838200" y="6356350"/>
-            <a:ext cx="2743200" cy="365125"/>
+            <a:off x="1097280" y="6459785"/>
+            <a:ext cx="2472271" cy="365125"/>
           </a:xfrm>
           <a:prstGeom prst="rect">
             <a:avLst/>
@@ -2544,11 +3288,9 @@
           <a:bodyPr vert="horz" lIns="91440" tIns="45720" rIns="91440" bIns="45720" rtlCol="0" anchor="ctr"/>
           <a:lstStyle>
             <a:lvl1pPr algn="l">
-              <a:defRPr sz="1200">
+              <a:defRPr sz="900">
                 <a:solidFill>
-                  <a:schemeClr val="tx1">
-                    <a:tint val="75000"/>
-                  </a:schemeClr>
+                  <a:srgbClr val="FFFFFF"/>
                 </a:solidFill>
               </a:defRPr>
             </a:lvl1pPr>
@@ -2556,7 +3298,7 @@
           <a:p>
             <a:fld id="{F2FFB779-270B-4192-84BA-A697F48306DC}" type="datetimeFigureOut">
               <a:rPr lang="ru-RU" smtClean="0"/>
-              <a:t>11.05.2020</a:t>
+              <a:t>13.05.2020</a:t>
             </a:fld>
             <a:endParaRPr lang="ru-RU"/>
           </a:p>
@@ -2564,7 +3306,7 @@
       </p:sp>
       <p:sp>
         <p:nvSpPr>
-          <p:cNvPr id="5" name="Нижний колонтитул 4"/>
+          <p:cNvPr id="5" name="Footer Placeholder 4"/>
           <p:cNvSpPr>
             <a:spLocks noGrp="1"/>
           </p:cNvSpPr>
@@ -2574,8 +3316,8 @@
         </p:nvSpPr>
         <p:spPr>
           <a:xfrm>
-            <a:off x="4038600" y="6356350"/>
-            <a:ext cx="4114800" cy="365125"/>
+            <a:off x="3686185" y="6459785"/>
+            <a:ext cx="4822804" cy="365125"/>
           </a:xfrm>
           <a:prstGeom prst="rect">
             <a:avLst/>
@@ -2585,11 +3327,9 @@
           <a:bodyPr vert="horz" lIns="91440" tIns="45720" rIns="91440" bIns="45720" rtlCol="0" anchor="ctr"/>
           <a:lstStyle>
             <a:lvl1pPr algn="ctr">
-              <a:defRPr sz="1200">
+              <a:defRPr sz="900" cap="all" baseline="0">
                 <a:solidFill>
-                  <a:schemeClr val="tx1">
-                    <a:tint val="75000"/>
-                  </a:schemeClr>
+                  <a:srgbClr val="FFFFFF"/>
                 </a:solidFill>
               </a:defRPr>
             </a:lvl1pPr>
@@ -2601,7 +3341,7 @@
       </p:sp>
       <p:sp>
         <p:nvSpPr>
-          <p:cNvPr id="6" name="Номер слайда 5"/>
+          <p:cNvPr id="6" name="Slide Number Placeholder 5"/>
           <p:cNvSpPr>
             <a:spLocks noGrp="1"/>
           </p:cNvSpPr>
@@ -2611,8 +3351,8 @@
         </p:nvSpPr>
         <p:spPr>
           <a:xfrm>
-            <a:off x="8610600" y="6356350"/>
-            <a:ext cx="2743200" cy="365125"/>
+            <a:off x="9900458" y="6459785"/>
+            <a:ext cx="1312025" cy="365125"/>
           </a:xfrm>
           <a:prstGeom prst="rect">
             <a:avLst/>
@@ -2622,11 +3362,9 @@
           <a:bodyPr vert="horz" lIns="91440" tIns="45720" rIns="91440" bIns="45720" rtlCol="0" anchor="ctr"/>
           <a:lstStyle>
             <a:lvl1pPr algn="r">
-              <a:defRPr sz="1200">
+              <a:defRPr sz="1050">
                 <a:solidFill>
-                  <a:schemeClr val="tx1">
-                    <a:tint val="75000"/>
-                  </a:schemeClr>
+                  <a:srgbClr val="FFFFFF"/>
                 </a:solidFill>
               </a:defRPr>
             </a:lvl1pPr>
@@ -2640,40 +3378,81 @@
           </a:p>
         </p:txBody>
       </p:sp>
+      <p:cxnSp>
+        <p:nvCxnSpPr>
+          <p:cNvPr id="10" name="Straight Connector 9"/>
+          <p:cNvCxnSpPr/>
+          <p:nvPr/>
+        </p:nvCxnSpPr>
+        <p:spPr>
+          <a:xfrm>
+            <a:off x="1193532" y="1737845"/>
+            <a:ext cx="9966960" cy="0"/>
+          </a:xfrm>
+          <a:prstGeom prst="line">
+            <a:avLst/>
+          </a:prstGeom>
+          <a:ln w="6350">
+            <a:solidFill>
+              <a:schemeClr val="tx1">
+                <a:lumMod val="50000"/>
+                <a:lumOff val="50000"/>
+              </a:schemeClr>
+            </a:solidFill>
+          </a:ln>
+        </p:spPr>
+        <p:style>
+          <a:lnRef idx="1">
+            <a:schemeClr val="accent1"/>
+          </a:lnRef>
+          <a:fillRef idx="0">
+            <a:schemeClr val="accent1"/>
+          </a:fillRef>
+          <a:effectRef idx="0">
+            <a:schemeClr val="accent1"/>
+          </a:effectRef>
+          <a:fontRef idx="minor">
+            <a:schemeClr val="tx1"/>
+          </a:fontRef>
+        </p:style>
+      </p:cxnSp>
     </p:spTree>
     <p:extLst>
       <p:ext uri="{BB962C8B-B14F-4D97-AF65-F5344CB8AC3E}">
-        <p14:creationId xmlns:p14="http://schemas.microsoft.com/office/powerpoint/2010/main" val="3154979492"/>
+        <p14:creationId xmlns:p14="http://schemas.microsoft.com/office/powerpoint/2010/main" val="1491843689"/>
       </p:ext>
     </p:extLst>
   </p:cSld>
   <p:clrMap bg1="lt1" tx1="dk1" bg2="lt2" tx2="dk2" accent1="accent1" accent2="accent2" accent3="accent3" accent4="accent4" accent5="accent5" accent6="accent6" hlink="hlink" folHlink="folHlink"/>
   <p:sldLayoutIdLst>
-    <p:sldLayoutId id="2147483649" r:id="rId1"/>
-    <p:sldLayoutId id="2147483650" r:id="rId2"/>
-    <p:sldLayoutId id="2147483651" r:id="rId3"/>
-    <p:sldLayoutId id="2147483652" r:id="rId4"/>
-    <p:sldLayoutId id="2147483653" r:id="rId5"/>
-    <p:sldLayoutId id="2147483654" r:id="rId6"/>
-    <p:sldLayoutId id="2147483655" r:id="rId7"/>
-    <p:sldLayoutId id="2147483656" r:id="rId8"/>
-    <p:sldLayoutId id="2147483657" r:id="rId9"/>
-    <p:sldLayoutId id="2147483658" r:id="rId10"/>
-    <p:sldLayoutId id="2147483659" r:id="rId11"/>
+    <p:sldLayoutId id="2147483685" r:id="rId1"/>
+    <p:sldLayoutId id="2147483686" r:id="rId2"/>
+    <p:sldLayoutId id="2147483687" r:id="rId3"/>
+    <p:sldLayoutId id="2147483688" r:id="rId4"/>
+    <p:sldLayoutId id="2147483689" r:id="rId5"/>
+    <p:sldLayoutId id="2147483690" r:id="rId6"/>
+    <p:sldLayoutId id="2147483691" r:id="rId7"/>
+    <p:sldLayoutId id="2147483692" r:id="rId8"/>
+    <p:sldLayoutId id="2147483693" r:id="rId9"/>
+    <p:sldLayoutId id="2147483694" r:id="rId10"/>
+    <p:sldLayoutId id="2147483695" r:id="rId11"/>
   </p:sldLayoutIdLst>
   <p:txStyles>
     <p:titleStyle>
       <a:lvl1pPr algn="l" defTabSz="914400" rtl="0" eaLnBrk="1" latinLnBrk="0" hangingPunct="1">
         <a:lnSpc>
-          <a:spcPct val="90000"/>
+          <a:spcPct val="85000"/>
         </a:lnSpc>
         <a:spcBef>
           <a:spcPct val="0"/>
         </a:spcBef>
         <a:buNone/>
-        <a:defRPr sz="4400" kern="1200">
+        <a:defRPr sz="4800" kern="1200" spc="-50" baseline="0">
           <a:solidFill>
-            <a:schemeClr val="tx1"/>
+            <a:schemeClr val="tx1">
+              <a:lumMod val="75000"/>
+              <a:lumOff val="25000"/>
+            </a:schemeClr>
           </a:solidFill>
           <a:latin typeface="+mj-lt"/>
           <a:ea typeface="+mj-ea"/>
@@ -2682,162 +3461,244 @@
       </a:lvl1pPr>
     </p:titleStyle>
     <p:bodyStyle>
-      <a:lvl1pPr marL="228600" indent="-228600" algn="l" defTabSz="914400" rtl="0" eaLnBrk="1" latinLnBrk="0" hangingPunct="1">
+      <a:lvl1pPr marL="91440" indent="-91440" algn="l" defTabSz="914400" rtl="0" eaLnBrk="1" latinLnBrk="0" hangingPunct="1">
         <a:lnSpc>
           <a:spcPct val="90000"/>
         </a:lnSpc>
         <a:spcBef>
-          <a:spcPts val="1000"/>
+          <a:spcPts val="1200"/>
         </a:spcBef>
-        <a:buFont typeface="Arial" panose="020B0604020202020204" pitchFamily="34" charset="0"/>
-        <a:buChar char="•"/>
-        <a:defRPr sz="2800" kern="1200">
+        <a:spcAft>
+          <a:spcPts val="200"/>
+        </a:spcAft>
+        <a:buClr>
+          <a:schemeClr val="accent1"/>
+        </a:buClr>
+        <a:buSzPct val="100000"/>
+        <a:buFont typeface="Calibri" panose="020F0502020204030204" pitchFamily="34" charset="0"/>
+        <a:buChar char=" "/>
+        <a:defRPr sz="2000" kern="1200">
           <a:solidFill>
-            <a:schemeClr val="tx1"/>
+            <a:schemeClr val="tx1">
+              <a:lumMod val="75000"/>
+              <a:lumOff val="25000"/>
+            </a:schemeClr>
           </a:solidFill>
           <a:latin typeface="+mn-lt"/>
           <a:ea typeface="+mn-ea"/>
           <a:cs typeface="+mn-cs"/>
         </a:defRPr>
       </a:lvl1pPr>
-      <a:lvl2pPr marL="685800" indent="-228600" algn="l" defTabSz="914400" rtl="0" eaLnBrk="1" latinLnBrk="0" hangingPunct="1">
+      <a:lvl2pPr marL="384048" indent="-182880" algn="l" defTabSz="914400" rtl="0" eaLnBrk="1" latinLnBrk="0" hangingPunct="1">
         <a:lnSpc>
           <a:spcPct val="90000"/>
         </a:lnSpc>
         <a:spcBef>
-          <a:spcPts val="500"/>
+          <a:spcPts val="200"/>
         </a:spcBef>
-        <a:buFont typeface="Arial" panose="020B0604020202020204" pitchFamily="34" charset="0"/>
-        <a:buChar char="•"/>
-        <a:defRPr sz="2400" kern="1200">
+        <a:spcAft>
+          <a:spcPts val="400"/>
+        </a:spcAft>
+        <a:buClr>
+          <a:schemeClr val="accent1"/>
+        </a:buClr>
+        <a:buFont typeface="Calibri" pitchFamily="34" charset="0"/>
+        <a:buChar char="◦"/>
+        <a:defRPr sz="1800" kern="1200">
           <a:solidFill>
-            <a:schemeClr val="tx1"/>
+            <a:schemeClr val="tx1">
+              <a:lumMod val="75000"/>
+              <a:lumOff val="25000"/>
+            </a:schemeClr>
           </a:solidFill>
           <a:latin typeface="+mn-lt"/>
           <a:ea typeface="+mn-ea"/>
           <a:cs typeface="+mn-cs"/>
         </a:defRPr>
       </a:lvl2pPr>
-      <a:lvl3pPr marL="1143000" indent="-228600" algn="l" defTabSz="914400" rtl="0" eaLnBrk="1" latinLnBrk="0" hangingPunct="1">
+      <a:lvl3pPr marL="566928" indent="-182880" algn="l" defTabSz="914400" rtl="0" eaLnBrk="1" latinLnBrk="0" hangingPunct="1">
         <a:lnSpc>
           <a:spcPct val="90000"/>
         </a:lnSpc>
         <a:spcBef>
-          <a:spcPts val="500"/>
+          <a:spcPts val="200"/>
         </a:spcBef>
-        <a:buFont typeface="Arial" panose="020B0604020202020204" pitchFamily="34" charset="0"/>
-        <a:buChar char="•"/>
-        <a:defRPr sz="2000" kern="1200">
+        <a:spcAft>
+          <a:spcPts val="400"/>
+        </a:spcAft>
+        <a:buClr>
+          <a:schemeClr val="accent1"/>
+        </a:buClr>
+        <a:buFont typeface="Calibri" pitchFamily="34" charset="0"/>
+        <a:buChar char="◦"/>
+        <a:defRPr sz="1400" kern="1200">
           <a:solidFill>
-            <a:schemeClr val="tx1"/>
+            <a:schemeClr val="tx1">
+              <a:lumMod val="75000"/>
+              <a:lumOff val="25000"/>
+            </a:schemeClr>
           </a:solidFill>
           <a:latin typeface="+mn-lt"/>
           <a:ea typeface="+mn-ea"/>
           <a:cs typeface="+mn-cs"/>
         </a:defRPr>
       </a:lvl3pPr>
-      <a:lvl4pPr marL="1600200" indent="-228600" algn="l" defTabSz="914400" rtl="0" eaLnBrk="1" latinLnBrk="0" hangingPunct="1">
+      <a:lvl4pPr marL="749808" indent="-182880" algn="l" defTabSz="914400" rtl="0" eaLnBrk="1" latinLnBrk="0" hangingPunct="1">
         <a:lnSpc>
           <a:spcPct val="90000"/>
         </a:lnSpc>
         <a:spcBef>
-          <a:spcPts val="500"/>
+          <a:spcPts val="200"/>
         </a:spcBef>
-        <a:buFont typeface="Arial" panose="020B0604020202020204" pitchFamily="34" charset="0"/>
-        <a:buChar char="•"/>
-        <a:defRPr sz="1800" kern="1200">
+        <a:spcAft>
+          <a:spcPts val="400"/>
+        </a:spcAft>
+        <a:buClr>
+          <a:schemeClr val="accent1"/>
+        </a:buClr>
+        <a:buFont typeface="Calibri" pitchFamily="34" charset="0"/>
+        <a:buChar char="◦"/>
+        <a:defRPr sz="1400" kern="1200">
           <a:solidFill>
-            <a:schemeClr val="tx1"/>
+            <a:schemeClr val="tx1">
+              <a:lumMod val="75000"/>
+              <a:lumOff val="25000"/>
+            </a:schemeClr>
           </a:solidFill>
           <a:latin typeface="+mn-lt"/>
           <a:ea typeface="+mn-ea"/>
           <a:cs typeface="+mn-cs"/>
         </a:defRPr>
       </a:lvl4pPr>
-      <a:lvl5pPr marL="2057400" indent="-228600" algn="l" defTabSz="914400" rtl="0" eaLnBrk="1" latinLnBrk="0" hangingPunct="1">
+      <a:lvl5pPr marL="932688" indent="-182880" algn="l" defTabSz="914400" rtl="0" eaLnBrk="1" latinLnBrk="0" hangingPunct="1">
         <a:lnSpc>
           <a:spcPct val="90000"/>
         </a:lnSpc>
         <a:spcBef>
-          <a:spcPts val="500"/>
+          <a:spcPts val="200"/>
         </a:spcBef>
-        <a:buFont typeface="Arial" panose="020B0604020202020204" pitchFamily="34" charset="0"/>
-        <a:buChar char="•"/>
-        <a:defRPr sz="1800" kern="1200">
+        <a:spcAft>
+          <a:spcPts val="400"/>
+        </a:spcAft>
+        <a:buClr>
+          <a:schemeClr val="accent1"/>
+        </a:buClr>
+        <a:buFont typeface="Calibri" pitchFamily="34" charset="0"/>
+        <a:buChar char="◦"/>
+        <a:defRPr sz="1400" kern="1200">
           <a:solidFill>
-            <a:schemeClr val="tx1"/>
+            <a:schemeClr val="tx1">
+              <a:lumMod val="75000"/>
+              <a:lumOff val="25000"/>
+            </a:schemeClr>
           </a:solidFill>
           <a:latin typeface="+mn-lt"/>
           <a:ea typeface="+mn-ea"/>
           <a:cs typeface="+mn-cs"/>
         </a:defRPr>
       </a:lvl5pPr>
-      <a:lvl6pPr marL="2514600" indent="-228600" algn="l" defTabSz="914400" rtl="0" eaLnBrk="1" latinLnBrk="0" hangingPunct="1">
+      <a:lvl6pPr marL="1100000" indent="-228600" algn="l" defTabSz="914400" rtl="0" eaLnBrk="1" latinLnBrk="0" hangingPunct="1">
         <a:lnSpc>
           <a:spcPct val="90000"/>
         </a:lnSpc>
         <a:spcBef>
-          <a:spcPts val="500"/>
+          <a:spcPts val="200"/>
         </a:spcBef>
-        <a:buFont typeface="Arial" panose="020B0604020202020204" pitchFamily="34" charset="0"/>
-        <a:buChar char="•"/>
-        <a:defRPr sz="1800" kern="1200">
+        <a:spcAft>
+          <a:spcPts val="400"/>
+        </a:spcAft>
+        <a:buClr>
+          <a:schemeClr val="accent1"/>
+        </a:buClr>
+        <a:buFont typeface="Calibri" pitchFamily="34" charset="0"/>
+        <a:buChar char="◦"/>
+        <a:defRPr sz="1400" kern="1200">
           <a:solidFill>
-            <a:schemeClr val="tx1"/>
+            <a:schemeClr val="tx1">
+              <a:lumMod val="75000"/>
+              <a:lumOff val="25000"/>
+            </a:schemeClr>
           </a:solidFill>
           <a:latin typeface="+mn-lt"/>
           <a:ea typeface="+mn-ea"/>
           <a:cs typeface="+mn-cs"/>
         </a:defRPr>
       </a:lvl6pPr>
-      <a:lvl7pPr marL="2971800" indent="-228600" algn="l" defTabSz="914400" rtl="0" eaLnBrk="1" latinLnBrk="0" hangingPunct="1">
+      <a:lvl7pPr marL="1300000" indent="-228600" algn="l" defTabSz="914400" rtl="0" eaLnBrk="1" latinLnBrk="0" hangingPunct="1">
         <a:lnSpc>
           <a:spcPct val="90000"/>
         </a:lnSpc>
         <a:spcBef>
-          <a:spcPts val="500"/>
+          <a:spcPts val="200"/>
         </a:spcBef>
-        <a:buFont typeface="Arial" panose="020B0604020202020204" pitchFamily="34" charset="0"/>
-        <a:buChar char="•"/>
-        <a:defRPr sz="1800" kern="1200">
+        <a:spcAft>
+          <a:spcPts val="400"/>
+        </a:spcAft>
+        <a:buClr>
+          <a:schemeClr val="accent1"/>
+        </a:buClr>
+        <a:buFont typeface="Calibri" pitchFamily="34" charset="0"/>
+        <a:buChar char="◦"/>
+        <a:defRPr sz="1400" kern="1200">
           <a:solidFill>
-            <a:schemeClr val="tx1"/>
+            <a:schemeClr val="tx1">
+              <a:lumMod val="75000"/>
+              <a:lumOff val="25000"/>
+            </a:schemeClr>
           </a:solidFill>
           <a:latin typeface="+mn-lt"/>
           <a:ea typeface="+mn-ea"/>
           <a:cs typeface="+mn-cs"/>
         </a:defRPr>
       </a:lvl7pPr>
-      <a:lvl8pPr marL="3429000" indent="-228600" algn="l" defTabSz="914400" rtl="0" eaLnBrk="1" latinLnBrk="0" hangingPunct="1">
+      <a:lvl8pPr marL="1500000" indent="-228600" algn="l" defTabSz="914400" rtl="0" eaLnBrk="1" latinLnBrk="0" hangingPunct="1">
         <a:lnSpc>
           <a:spcPct val="90000"/>
         </a:lnSpc>
         <a:spcBef>
-          <a:spcPts val="500"/>
+          <a:spcPts val="200"/>
         </a:spcBef>
-        <a:buFont typeface="Arial" panose="020B0604020202020204" pitchFamily="34" charset="0"/>
-        <a:buChar char="•"/>
-        <a:defRPr sz="1800" kern="1200">
+        <a:spcAft>
+          <a:spcPts val="400"/>
+        </a:spcAft>
+        <a:buClr>
+          <a:schemeClr val="accent1"/>
+        </a:buClr>
+        <a:buFont typeface="Calibri" pitchFamily="34" charset="0"/>
+        <a:buChar char="◦"/>
+        <a:defRPr sz="1400" kern="1200">
           <a:solidFill>
-            <a:schemeClr val="tx1"/>
+            <a:schemeClr val="tx1">
+              <a:lumMod val="75000"/>
+              <a:lumOff val="25000"/>
+            </a:schemeClr>
           </a:solidFill>
           <a:latin typeface="+mn-lt"/>
           <a:ea typeface="+mn-ea"/>
           <a:cs typeface="+mn-cs"/>
         </a:defRPr>
       </a:lvl8pPr>
-      <a:lvl9pPr marL="3886200" indent="-228600" algn="l" defTabSz="914400" rtl="0" eaLnBrk="1" latinLnBrk="0" hangingPunct="1">
+      <a:lvl9pPr marL="1700000" indent="-228600" algn="l" defTabSz="914400" rtl="0" eaLnBrk="1" latinLnBrk="0" hangingPunct="1">
         <a:lnSpc>
           <a:spcPct val="90000"/>
         </a:lnSpc>
         <a:spcBef>
-          <a:spcPts val="500"/>
+          <a:spcPts val="200"/>
         </a:spcBef>
-        <a:buFont typeface="Arial" panose="020B0604020202020204" pitchFamily="34" charset="0"/>
-        <a:buChar char="•"/>
-        <a:defRPr sz="1800" kern="1200">
+        <a:spcAft>
+          <a:spcPts val="400"/>
+        </a:spcAft>
+        <a:buClr>
+          <a:schemeClr val="accent1"/>
+        </a:buClr>
+        <a:buFont typeface="Calibri" pitchFamily="34" charset="0"/>
+        <a:buChar char="◦"/>
+        <a:defRPr sz="1400" kern="1200">
           <a:solidFill>
-            <a:schemeClr val="tx1"/>
+            <a:schemeClr val="tx1">
+              <a:lumMod val="75000"/>
+              <a:lumOff val="25000"/>
+            </a:schemeClr>
           </a:solidFill>
           <a:latin typeface="+mn-lt"/>
           <a:ea typeface="+mn-ea"/>
@@ -2847,7 +3708,7 @@
     </p:bodyStyle>
     <p:otherStyle>
       <a:defPPr>
-        <a:defRPr lang="ru-RU"/>
+        <a:defRPr lang="en-US"/>
       </a:defPPr>
       <a:lvl1pPr marL="0" algn="l" defTabSz="914400" rtl="0" eaLnBrk="1" latinLnBrk="0" hangingPunct="1">
         <a:defRPr sz="1800" kern="1200">
@@ -2978,11 +3839,11 @@
           <a:p>
             <a:r>
               <a:rPr lang="ru-RU" dirty="0">
-                <a:cs typeface="Calibri Light"/>
+                <a:latin typeface="Times New Roman" panose="02020603050405020304" pitchFamily="18" charset="0"/>
+                <a:cs typeface="Times New Roman" panose="02020603050405020304" pitchFamily="18" charset="0"/>
               </a:rPr>
               <a:t>Сайт с тестами</a:t>
             </a:r>
-            <a:endParaRPr lang="ru-RU" dirty="0"/>
           </a:p>
         </p:txBody>
       </p:sp>
@@ -3005,13 +3866,15 @@
           <a:p>
             <a:r>
               <a:rPr lang="ru-RU" dirty="0" err="1">
-                <a:cs typeface="Calibri"/>
+                <a:latin typeface="Times New Roman" panose="02020603050405020304" pitchFamily="18" charset="0"/>
+                <a:cs typeface="Times New Roman" panose="02020603050405020304" pitchFamily="18" charset="0"/>
               </a:rPr>
               <a:t>Хохолева</a:t>
             </a:r>
             <a:r>
               <a:rPr lang="ru-RU" dirty="0">
-                <a:cs typeface="Calibri"/>
+                <a:latin typeface="Times New Roman" panose="02020603050405020304" pitchFamily="18" charset="0"/>
+                <a:cs typeface="Times New Roman" panose="02020603050405020304" pitchFamily="18" charset="0"/>
               </a:rPr>
               <a:t> Света</a:t>
             </a:r>
@@ -3019,7 +3882,8 @@
           <a:p>
             <a:r>
               <a:rPr lang="ru-RU" dirty="0">
-                <a:cs typeface="Calibri"/>
+                <a:latin typeface="Times New Roman" panose="02020603050405020304" pitchFamily="18" charset="0"/>
+                <a:cs typeface="Times New Roman" panose="02020603050405020304" pitchFamily="18" charset="0"/>
               </a:rPr>
               <a:t>Суслова Соня</a:t>
             </a:r>
@@ -3061,7 +3925,7 @@
           <p:cNvPr id="2" name="Заголовок 1">
             <a:extLst>
               <a:ext uri="{FF2B5EF4-FFF2-40B4-BE49-F238E27FC236}">
-                <a16:creationId xmlns:a16="http://schemas.microsoft.com/office/drawing/2014/main" id="{14B6CB31-4516-4257-B20B-17FEA4C7BEFB}"/>
+                <a16:creationId xmlns="" xmlns:a16="http://schemas.microsoft.com/office/drawing/2014/main" id="{14B6CB31-4516-4257-B20B-17FEA4C7BEFB}"/>
               </a:ext>
             </a:extLst>
           </p:cNvPr>
@@ -3079,11 +3943,11 @@
           <a:p>
             <a:r>
               <a:rPr lang="ru-RU" dirty="0">
-                <a:cs typeface="Calibri Light"/>
+                <a:latin typeface="Times New Roman" panose="02020603050405020304" pitchFamily="18" charset="0"/>
+                <a:cs typeface="Times New Roman" panose="02020603050405020304" pitchFamily="18" charset="0"/>
               </a:rPr>
               <a:t>О проекте</a:t>
             </a:r>
-            <a:endParaRPr lang="ru-RU" dirty="0"/>
           </a:p>
         </p:txBody>
       </p:sp>
@@ -3092,7 +3956,7 @@
           <p:cNvPr id="3" name="Объект 2">
             <a:extLst>
               <a:ext uri="{FF2B5EF4-FFF2-40B4-BE49-F238E27FC236}">
-                <a16:creationId xmlns:a16="http://schemas.microsoft.com/office/drawing/2014/main" id="{F6C30F5F-A384-45F9-9F3E-8272AE498254}"/>
+                <a16:creationId xmlns="" xmlns:a16="http://schemas.microsoft.com/office/drawing/2014/main" id="{F6C30F5F-A384-45F9-9F3E-8272AE498254}"/>
               </a:ext>
             </a:extLst>
           </p:cNvPr>
@@ -3110,19 +3974,50 @@
           </a:bodyPr>
           <a:lstStyle/>
           <a:p>
+            <a:pPr algn="just">
+              <a:buFont typeface="Arial" panose="020B0604020202020204" pitchFamily="34" charset="0"/>
+              <a:buChar char="•"/>
+            </a:pPr>
+            <a:r>
+              <a:rPr lang="ru-RU" dirty="0" smtClean="0">
+                <a:latin typeface="Times New Roman" panose="02020603050405020304" pitchFamily="18" charset="0"/>
+                <a:cs typeface="Times New Roman" panose="02020603050405020304" pitchFamily="18" charset="0"/>
+              </a:rPr>
+              <a:t> Сайт </a:t>
+            </a:r>
             <a:r>
               <a:rPr lang="ru-RU" dirty="0">
-                <a:cs typeface="Calibri"/>
-              </a:rPr>
-              <a:t>Сайт позволяет пользователю создать свой аккаунт, проходить тесты разной сложности и тематики и получать за них опыт, а также создавать свои тесты</a:t>
-            </a:r>
-          </a:p>
-          <a:p>
+                <a:latin typeface="Times New Roman" panose="02020603050405020304" pitchFamily="18" charset="0"/>
+                <a:cs typeface="Times New Roman" panose="02020603050405020304" pitchFamily="18" charset="0"/>
+              </a:rPr>
+              <a:t>позволяет пользователю создать свой аккаунт, проходить тесты разной сложности и тематики и получать за них опыт, а также создавать свои </a:t>
+            </a:r>
+            <a:r>
+              <a:rPr lang="ru-RU" dirty="0" smtClean="0">
+                <a:latin typeface="Times New Roman" panose="02020603050405020304" pitchFamily="18" charset="0"/>
+                <a:cs typeface="Times New Roman" panose="02020603050405020304" pitchFamily="18" charset="0"/>
+              </a:rPr>
+              <a:t>тесты</a:t>
+            </a:r>
+          </a:p>
+          <a:p>
+            <a:pPr algn="just">
+              <a:buFont typeface="Arial" panose="020B0604020202020204" pitchFamily="34" charset="0"/>
+              <a:buChar char="•"/>
+            </a:pPr>
+            <a:r>
+              <a:rPr lang="ru-RU" dirty="0" smtClean="0">
+                <a:latin typeface="Times New Roman" panose="02020603050405020304" pitchFamily="18" charset="0"/>
+                <a:cs typeface="Times New Roman" panose="02020603050405020304" pitchFamily="18" charset="0"/>
+              </a:rPr>
+              <a:t> Дополнительные </a:t>
+            </a:r>
             <a:r>
               <a:rPr lang="ru-RU" dirty="0">
-                <a:cs typeface="Calibri"/>
-              </a:rPr>
-              <a:t>Дополнительные функции - сортировка тестов на главной странице, особый тип пользователя - модератор с расширенным доступом к тестам других пользователей</a:t>
+                <a:latin typeface="Times New Roman" panose="02020603050405020304" pitchFamily="18" charset="0"/>
+                <a:cs typeface="Times New Roman" panose="02020603050405020304" pitchFamily="18" charset="0"/>
+              </a:rPr>
+              <a:t>функции - сортировка тестов на главной странице, особый тип пользователя - модератор с расширенным доступом к тестам других пользователей</a:t>
             </a:r>
           </a:p>
         </p:txBody>
@@ -3162,7 +4057,7 @@
           <p:cNvPr id="2" name="Заголовок 1">
             <a:extLst>
               <a:ext uri="{FF2B5EF4-FFF2-40B4-BE49-F238E27FC236}">
-                <a16:creationId xmlns:a16="http://schemas.microsoft.com/office/drawing/2014/main" id="{463DB145-8996-4AE6-A2F1-67D9F44F4B1F}"/>
+                <a16:creationId xmlns="" xmlns:a16="http://schemas.microsoft.com/office/drawing/2014/main" id="{463DB145-8996-4AE6-A2F1-67D9F44F4B1F}"/>
               </a:ext>
             </a:extLst>
           </p:cNvPr>
@@ -3180,11 +4075,11 @@
           <a:p>
             <a:r>
               <a:rPr lang="ru-RU" dirty="0">
-                <a:cs typeface="Calibri Light"/>
+                <a:latin typeface="Times New Roman" panose="02020603050405020304" pitchFamily="18" charset="0"/>
+                <a:cs typeface="Times New Roman" panose="02020603050405020304" pitchFamily="18" charset="0"/>
               </a:rPr>
               <a:t>Реализация</a:t>
             </a:r>
-            <a:endParaRPr lang="ru-RU" dirty="0"/>
           </a:p>
         </p:txBody>
       </p:sp>
@@ -3193,7 +4088,7 @@
           <p:cNvPr id="3" name="Объект 2">
             <a:extLst>
               <a:ext uri="{FF2B5EF4-FFF2-40B4-BE49-F238E27FC236}">
-                <a16:creationId xmlns:a16="http://schemas.microsoft.com/office/drawing/2014/main" id="{107A9A39-BB7D-4601-BB40-DD2E93AF608D}"/>
+                <a16:creationId xmlns="" xmlns:a16="http://schemas.microsoft.com/office/drawing/2014/main" id="{107A9A39-BB7D-4601-BB40-DD2E93AF608D}"/>
               </a:ext>
             </a:extLst>
           </p:cNvPr>
@@ -3212,126 +4107,169 @@
         </p:spPr>
         <p:txBody>
           <a:bodyPr vert="horz" lIns="91440" tIns="45720" rIns="91440" bIns="45720" rtlCol="0" anchor="t">
-            <a:normAutofit fontScale="92500"/>
+            <a:normAutofit/>
           </a:bodyPr>
           <a:lstStyle/>
           <a:p>
-            <a:pPr marL="0" indent="0">
+            <a:pPr marL="0" indent="0" algn="just">
               <a:buNone/>
             </a:pPr>
             <a:r>
               <a:rPr lang="ru-RU" dirty="0">
-                <a:cs typeface="Calibri"/>
+                <a:latin typeface="Times New Roman" panose="02020603050405020304" pitchFamily="18" charset="0"/>
+                <a:cs typeface="Times New Roman" panose="02020603050405020304" pitchFamily="18" charset="0"/>
               </a:rPr>
               <a:t>Проект использует возможности библиотек </a:t>
             </a:r>
             <a:r>
               <a:rPr lang="ru-RU" dirty="0" err="1">
-                <a:cs typeface="Calibri"/>
+                <a:latin typeface="Times New Roman" panose="02020603050405020304" pitchFamily="18" charset="0"/>
+                <a:cs typeface="Times New Roman" panose="02020603050405020304" pitchFamily="18" charset="0"/>
               </a:rPr>
               <a:t>Flask</a:t>
             </a:r>
             <a:r>
               <a:rPr lang="ru-RU" dirty="0">
-                <a:cs typeface="Calibri"/>
+                <a:latin typeface="Times New Roman" panose="02020603050405020304" pitchFamily="18" charset="0"/>
+                <a:cs typeface="Times New Roman" panose="02020603050405020304" pitchFamily="18" charset="0"/>
               </a:rPr>
               <a:t>, </a:t>
             </a:r>
             <a:r>
               <a:rPr lang="ru-RU" dirty="0" err="1">
-                <a:cs typeface="Calibri"/>
+                <a:latin typeface="Times New Roman" panose="02020603050405020304" pitchFamily="18" charset="0"/>
+                <a:cs typeface="Times New Roman" panose="02020603050405020304" pitchFamily="18" charset="0"/>
               </a:rPr>
               <a:t>Flask</a:t>
             </a:r>
             <a:r>
               <a:rPr lang="ru-RU" dirty="0">
-                <a:cs typeface="Calibri"/>
+                <a:latin typeface="Times New Roman" panose="02020603050405020304" pitchFamily="18" charset="0"/>
+                <a:cs typeface="Times New Roman" panose="02020603050405020304" pitchFamily="18" charset="0"/>
               </a:rPr>
               <a:t>-WTF, </a:t>
             </a:r>
             <a:r>
               <a:rPr lang="ru-RU" dirty="0" err="1">
-                <a:cs typeface="Calibri"/>
+                <a:latin typeface="Times New Roman" panose="02020603050405020304" pitchFamily="18" charset="0"/>
+                <a:cs typeface="Times New Roman" panose="02020603050405020304" pitchFamily="18" charset="0"/>
               </a:rPr>
               <a:t>WTForms</a:t>
             </a:r>
             <a:r>
               <a:rPr lang="ru-RU" dirty="0">
-                <a:cs typeface="Calibri"/>
+                <a:latin typeface="Times New Roman" panose="02020603050405020304" pitchFamily="18" charset="0"/>
+                <a:cs typeface="Times New Roman" panose="02020603050405020304" pitchFamily="18" charset="0"/>
               </a:rPr>
               <a:t>, </a:t>
             </a:r>
             <a:r>
+              <a:rPr lang="ru-RU" dirty="0" err="1" smtClean="0">
+                <a:latin typeface="Times New Roman" panose="02020603050405020304" pitchFamily="18" charset="0"/>
+                <a:cs typeface="Times New Roman" panose="02020603050405020304" pitchFamily="18" charset="0"/>
+              </a:rPr>
+              <a:t>SQLAlchemy</a:t>
+            </a:r>
+            <a:r>
+              <a:rPr lang="ru-RU" dirty="0" smtClean="0">
+                <a:latin typeface="Times New Roman" panose="02020603050405020304" pitchFamily="18" charset="0"/>
+                <a:cs typeface="Times New Roman" panose="02020603050405020304" pitchFamily="18" charset="0"/>
+              </a:rPr>
+              <a:t>.</a:t>
+            </a:r>
+            <a:endParaRPr lang="ru-RU" dirty="0">
+              <a:latin typeface="Times New Roman" panose="02020603050405020304" pitchFamily="18" charset="0"/>
+              <a:cs typeface="Times New Roman" panose="02020603050405020304" pitchFamily="18" charset="0"/>
+            </a:endParaRPr>
+          </a:p>
+          <a:p>
+            <a:pPr marL="0" indent="0" algn="just">
+              <a:buNone/>
+            </a:pPr>
+            <a:r>
+              <a:rPr lang="ru-RU" dirty="0">
+                <a:latin typeface="Times New Roman" panose="02020603050405020304" pitchFamily="18" charset="0"/>
+                <a:cs typeface="Times New Roman" panose="02020603050405020304" pitchFamily="18" charset="0"/>
+              </a:rPr>
+              <a:t>База данных содержит 4 таблицы:</a:t>
+            </a:r>
+          </a:p>
+          <a:p>
+            <a:pPr marL="457200" indent="-457200" algn="just">
+              <a:buFont typeface="+mj-lt"/>
+              <a:buAutoNum type="arabicPeriod"/>
+            </a:pPr>
+            <a:r>
               <a:rPr lang="ru-RU" dirty="0" err="1">
-                <a:cs typeface="Calibri"/>
-              </a:rPr>
-              <a:t>SQLAlchemy</a:t>
-            </a:r>
-            <a:endParaRPr lang="ru-RU" dirty="0"/>
-          </a:p>
-          <a:p>
-            <a:pPr marL="0" indent="0">
-              <a:buNone/>
+                <a:latin typeface="Times New Roman" panose="02020603050405020304" pitchFamily="18" charset="0"/>
+                <a:cs typeface="Times New Roman" panose="02020603050405020304" pitchFamily="18" charset="0"/>
+              </a:rPr>
+              <a:t>User</a:t>
+            </a:r>
+            <a:r>
+              <a:rPr lang="ru-RU" dirty="0">
+                <a:latin typeface="Times New Roman" panose="02020603050405020304" pitchFamily="18" charset="0"/>
+                <a:cs typeface="Times New Roman" panose="02020603050405020304" pitchFamily="18" charset="0"/>
+              </a:rPr>
+              <a:t> - содержит информацию о всех пользователях и связывает их с тестами</a:t>
+            </a:r>
+          </a:p>
+          <a:p>
+            <a:pPr marL="457200" indent="-457200" algn="just">
+              <a:buFont typeface="+mj-lt"/>
+              <a:buAutoNum type="arabicPeriod"/>
             </a:pPr>
             <a:r>
+              <a:rPr lang="ru-RU" dirty="0" err="1">
+                <a:latin typeface="Times New Roman" panose="02020603050405020304" pitchFamily="18" charset="0"/>
+                <a:cs typeface="Times New Roman" panose="02020603050405020304" pitchFamily="18" charset="0"/>
+              </a:rPr>
+              <a:t>Test</a:t>
+            </a:r>
+            <a:r>
               <a:rPr lang="ru-RU" dirty="0">
-                <a:cs typeface="Calibri"/>
-              </a:rPr>
-              <a:t>База данных содержит 4 таблицы:</a:t>
-            </a:r>
-          </a:p>
-          <a:p>
+                <a:latin typeface="Times New Roman" panose="02020603050405020304" pitchFamily="18" charset="0"/>
+                <a:cs typeface="Times New Roman" panose="02020603050405020304" pitchFamily="18" charset="0"/>
+              </a:rPr>
+              <a:t> - содержит информацию о тестах (название, описание, список вопросов, т.д.)</a:t>
+            </a:r>
+          </a:p>
+          <a:p>
+            <a:pPr marL="457200" indent="-457200" algn="just">
+              <a:buFont typeface="+mj-lt"/>
+              <a:buAutoNum type="arabicPeriod"/>
+            </a:pPr>
             <a:r>
               <a:rPr lang="ru-RU" dirty="0" err="1">
-                <a:cs typeface="Calibri"/>
-              </a:rPr>
-              <a:t>User</a:t>
+                <a:latin typeface="Times New Roman" panose="02020603050405020304" pitchFamily="18" charset="0"/>
+                <a:cs typeface="Times New Roman" panose="02020603050405020304" pitchFamily="18" charset="0"/>
+              </a:rPr>
+              <a:t>Questions</a:t>
             </a:r>
             <a:r>
               <a:rPr lang="ru-RU" dirty="0">
-                <a:cs typeface="Calibri"/>
-              </a:rPr>
-              <a:t> - содержит информацию о всех пользователях и связывает их с тестами</a:t>
-            </a:r>
-          </a:p>
-          <a:p>
+                <a:latin typeface="Times New Roman" panose="02020603050405020304" pitchFamily="18" charset="0"/>
+                <a:cs typeface="Times New Roman" panose="02020603050405020304" pitchFamily="18" charset="0"/>
+              </a:rPr>
+              <a:t> - содержит подробную информацию о всех вопросах, использующихся в тестах</a:t>
+            </a:r>
+          </a:p>
+          <a:p>
+            <a:pPr marL="457200" indent="-457200" algn="just">
+              <a:buFont typeface="+mj-lt"/>
+              <a:buAutoNum type="arabicPeriod"/>
+            </a:pPr>
             <a:r>
               <a:rPr lang="ru-RU" dirty="0" err="1">
-                <a:cs typeface="Calibri"/>
-              </a:rPr>
-              <a:t>Test</a:t>
+                <a:latin typeface="Times New Roman" panose="02020603050405020304" pitchFamily="18" charset="0"/>
+                <a:cs typeface="Times New Roman" panose="02020603050405020304" pitchFamily="18" charset="0"/>
+              </a:rPr>
+              <a:t>Category</a:t>
             </a:r>
             <a:r>
               <a:rPr lang="ru-RU" dirty="0">
-                <a:cs typeface="Calibri"/>
-              </a:rPr>
-              <a:t> - содержит информацию о тестах (название, описание, список вопросов, т.д.)</a:t>
-            </a:r>
-          </a:p>
-          <a:p>
-            <a:r>
-              <a:rPr lang="ru-RU" dirty="0" err="1">
-                <a:cs typeface="Calibri"/>
-              </a:rPr>
-              <a:t>Questions</a:t>
-            </a:r>
-            <a:r>
-              <a:rPr lang="ru-RU" dirty="0">
-                <a:cs typeface="Calibri"/>
-              </a:rPr>
-              <a:t> - содержит подробную информацию о всех вопросах, использующихся в тестах</a:t>
-            </a:r>
-          </a:p>
-          <a:p>
-            <a:r>
-              <a:rPr lang="ru-RU" dirty="0" err="1">
-                <a:cs typeface="Calibri"/>
-              </a:rPr>
-              <a:t>Category</a:t>
-            </a:r>
-            <a:r>
-              <a:rPr lang="ru-RU" dirty="0">
-                <a:cs typeface="Calibri"/>
+                <a:latin typeface="Times New Roman" panose="02020603050405020304" pitchFamily="18" charset="0"/>
+                <a:cs typeface="Times New Roman" panose="02020603050405020304" pitchFamily="18" charset="0"/>
               </a:rPr>
               <a:t> - вспомогательная таблица - список всех категорий тестов </a:t>
             </a:r>
@@ -3373,7 +4311,7 @@
           <p:cNvPr id="2" name="Заголовок 1">
             <a:extLst>
               <a:ext uri="{FF2B5EF4-FFF2-40B4-BE49-F238E27FC236}">
-                <a16:creationId xmlns:a16="http://schemas.microsoft.com/office/drawing/2014/main" id="{B8A95824-26B1-45B9-BBE9-E5F3F5752BB3}"/>
+                <a16:creationId xmlns="" xmlns:a16="http://schemas.microsoft.com/office/drawing/2014/main" id="{B8A95824-26B1-45B9-BBE9-E5F3F5752BB3}"/>
               </a:ext>
             </a:extLst>
           </p:cNvPr>
@@ -3391,11 +4329,11 @@
           <a:p>
             <a:r>
               <a:rPr lang="ru-RU" dirty="0">
-                <a:cs typeface="Calibri Light"/>
+                <a:latin typeface="Times New Roman" panose="02020603050405020304" pitchFamily="18" charset="0"/>
+                <a:cs typeface="Times New Roman" panose="02020603050405020304" pitchFamily="18" charset="0"/>
               </a:rPr>
               <a:t>Реализация</a:t>
             </a:r>
-            <a:endParaRPr lang="ru-RU" dirty="0"/>
           </a:p>
         </p:txBody>
       </p:sp>
@@ -3404,7 +4342,7 @@
           <p:cNvPr id="3" name="Объект 2">
             <a:extLst>
               <a:ext uri="{FF2B5EF4-FFF2-40B4-BE49-F238E27FC236}">
-                <a16:creationId xmlns:a16="http://schemas.microsoft.com/office/drawing/2014/main" id="{64297A54-DC15-4C6B-AE98-F3043EF81771}"/>
+                <a16:creationId xmlns="" xmlns:a16="http://schemas.microsoft.com/office/drawing/2014/main" id="{64297A54-DC15-4C6B-AE98-F3043EF81771}"/>
               </a:ext>
             </a:extLst>
           </p:cNvPr>
@@ -3418,81 +4356,111 @@
         <p:spPr/>
         <p:txBody>
           <a:bodyPr vert="horz" lIns="91440" tIns="45720" rIns="91440" bIns="45720" rtlCol="0" anchor="t">
-            <a:normAutofit lnSpcReduction="10000"/>
+            <a:normAutofit/>
           </a:bodyPr>
           <a:lstStyle/>
           <a:p>
-            <a:pPr marL="0" indent="0">
-              <a:buNone/>
+            <a:pPr algn="just">
+              <a:buFont typeface="Arial" panose="020B0604020202020204" pitchFamily="34" charset="0"/>
+              <a:buChar char="•"/>
             </a:pPr>
             <a:r>
+              <a:rPr lang="ru-RU" dirty="0" smtClean="0">
+                <a:latin typeface="Times New Roman" panose="02020603050405020304" pitchFamily="18" charset="0"/>
+                <a:cs typeface="Times New Roman" panose="02020603050405020304" pitchFamily="18" charset="0"/>
+              </a:rPr>
+              <a:t> Созданы </a:t>
+            </a:r>
+            <a:r>
+              <a:rPr lang="ru-RU" dirty="0" err="1">
+                <a:latin typeface="Times New Roman" panose="02020603050405020304" pitchFamily="18" charset="0"/>
+                <a:cs typeface="Times New Roman" panose="02020603050405020304" pitchFamily="18" charset="0"/>
+              </a:rPr>
+              <a:t>html</a:t>
+            </a:r>
+            <a:r>
               <a:rPr lang="ru-RU" dirty="0">
-                <a:cs typeface="Calibri"/>
-              </a:rPr>
-              <a:t>Созданы </a:t>
+                <a:latin typeface="Times New Roman" panose="02020603050405020304" pitchFamily="18" charset="0"/>
+                <a:cs typeface="Times New Roman" panose="02020603050405020304" pitchFamily="18" charset="0"/>
+              </a:rPr>
+              <a:t>-шаблоны для всех страниц сайта + один базовый шаблон: главная страница с списком тестов, регистрация и вход на сайт, личный аккаунт с списком своих тестов, информация о тесте, прохождение теста, просмотр чужого аккаунта, создание и редактирование тестов </a:t>
+            </a:r>
+          </a:p>
+          <a:p>
+            <a:pPr algn="just">
+              <a:buFont typeface="Arial" panose="020B0604020202020204" pitchFamily="34" charset="0"/>
+              <a:buChar char="•"/>
+            </a:pPr>
+            <a:r>
+              <a:rPr lang="ru-RU" dirty="0" smtClean="0">
+                <a:latin typeface="Times New Roman" panose="02020603050405020304" pitchFamily="18" charset="0"/>
+                <a:cs typeface="Times New Roman" panose="02020603050405020304" pitchFamily="18" charset="0"/>
+              </a:rPr>
+              <a:t> Для </a:t>
+            </a:r>
+            <a:r>
+              <a:rPr lang="ru-RU" dirty="0">
+                <a:latin typeface="Times New Roman" panose="02020603050405020304" pitchFamily="18" charset="0"/>
+                <a:cs typeface="Times New Roman" panose="02020603050405020304" pitchFamily="18" charset="0"/>
+              </a:rPr>
+              <a:t>обработки данных с некоторых страниц используются классы, унаследованные от </a:t>
             </a:r>
             <a:r>
               <a:rPr lang="ru-RU" dirty="0" err="1">
-                <a:cs typeface="Calibri"/>
-              </a:rPr>
-              <a:t>html</a:t>
+                <a:latin typeface="Times New Roman" panose="02020603050405020304" pitchFamily="18" charset="0"/>
+                <a:cs typeface="Times New Roman" panose="02020603050405020304" pitchFamily="18" charset="0"/>
+              </a:rPr>
+              <a:t>FlaskForm</a:t>
             </a:r>
             <a:r>
               <a:rPr lang="ru-RU" dirty="0">
-                <a:cs typeface="Calibri"/>
-              </a:rPr>
-              <a:t>-шаблоны для всех страниц сайта + один базовый шаблон: главная страница с списком тестов, регистрация и вход на сайт, личный аккаунт с списком своих тестов, информация о тесте, прохождение теста, просмотр чужого аккаунта, создание и редактирование тестов </a:t>
-            </a:r>
-            <a:endParaRPr lang="ru-RU" dirty="0"/>
-          </a:p>
-          <a:p>
-            <a:pPr marL="0" indent="0">
-              <a:buNone/>
+                <a:latin typeface="Times New Roman" panose="02020603050405020304" pitchFamily="18" charset="0"/>
+                <a:cs typeface="Times New Roman" panose="02020603050405020304" pitchFamily="18" charset="0"/>
+              </a:rPr>
+              <a:t>: формы для регистрации, входа, отображения и изменения данных аккаунта, смены </a:t>
+            </a:r>
+            <a:r>
+              <a:rPr lang="ru-RU" dirty="0" err="1">
+                <a:latin typeface="Times New Roman" panose="02020603050405020304" pitchFamily="18" charset="0"/>
+                <a:cs typeface="Times New Roman" panose="02020603050405020304" pitchFamily="18" charset="0"/>
+              </a:rPr>
+              <a:t>паро</a:t>
+            </a:r>
+            <a:r>
+              <a:rPr lang="ru-RU" dirty="0">
+                <a:latin typeface="Times New Roman" panose="02020603050405020304" pitchFamily="18" charset="0"/>
+                <a:cs typeface="Times New Roman" panose="02020603050405020304" pitchFamily="18" charset="0"/>
+              </a:rPr>
+              <a:t>​ля, отображения и изменения информации о тесте</a:t>
+            </a:r>
+          </a:p>
+          <a:p>
+            <a:pPr algn="just">
+              <a:buFont typeface="Arial" panose="020B0604020202020204" pitchFamily="34" charset="0"/>
+              <a:buChar char="•"/>
             </a:pPr>
             <a:r>
+              <a:rPr lang="ru-RU" dirty="0" smtClean="0">
+                <a:latin typeface="Times New Roman" panose="02020603050405020304" pitchFamily="18" charset="0"/>
+                <a:ea typeface="+mn-lt"/>
+                <a:cs typeface="Times New Roman" panose="02020603050405020304" pitchFamily="18" charset="0"/>
+              </a:rPr>
+              <a:t> Все </a:t>
+            </a:r>
+            <a:r>
               <a:rPr lang="ru-RU" dirty="0">
-                <a:cs typeface="Calibri"/>
-              </a:rPr>
-              <a:t>Для обработки данных с некоторых страниц используются классы, унаследованные от </a:t>
-            </a:r>
-            <a:r>
-              <a:rPr lang="ru-RU" dirty="0" err="1">
-                <a:cs typeface="Calibri"/>
-              </a:rPr>
-              <a:t>FlaskForm</a:t>
-            </a:r>
-            <a:r>
-              <a:rPr lang="ru-RU" dirty="0">
-                <a:cs typeface="Calibri"/>
-              </a:rPr>
-              <a:t>: формы для регистрации, входа, отображения и изменения данных аккаунта, смены </a:t>
-            </a:r>
-            <a:r>
-              <a:rPr lang="ru-RU" dirty="0" err="1">
-                <a:cs typeface="Calibri"/>
-              </a:rPr>
-              <a:t>паро</a:t>
-            </a:r>
-            <a:r>
-              <a:rPr lang="ru-RU" dirty="0">
-                <a:cs typeface="Calibri"/>
-              </a:rPr>
-              <a:t>​ля, отображения и изменения информации о тесте</a:t>
-            </a:r>
-          </a:p>
-          <a:p>
-            <a:pPr marL="0" indent="0">
-              <a:buNone/>
+                <a:latin typeface="Times New Roman" panose="02020603050405020304" pitchFamily="18" charset="0"/>
+                <a:ea typeface="+mn-lt"/>
+                <a:cs typeface="Times New Roman" panose="02020603050405020304" pitchFamily="18" charset="0"/>
+              </a:rPr>
+              <a:t>формы и обработчики страниц находятся в главном файле проекта - main.py</a:t>
+            </a:r>
+          </a:p>
+          <a:p>
+            <a:pPr>
+              <a:buFont typeface="Arial" panose="020B0604020202020204" pitchFamily="34" charset="0"/>
+              <a:buChar char="•"/>
             </a:pPr>
-            <a:r>
-              <a:rPr lang="ru-RU" dirty="0">
-                <a:ea typeface="+mn-lt"/>
-                <a:cs typeface="+mn-lt"/>
-              </a:rPr>
-              <a:t>Все формы и обработчики страниц находятся в главном файле проекта - main.py</a:t>
-            </a:r>
-          </a:p>
-          <a:p>
             <a:endParaRPr lang="ru-RU" dirty="0">
               <a:cs typeface="Calibri"/>
             </a:endParaRPr>
@@ -3534,7 +4502,7 @@
           <p:cNvPr id="2" name="Заголовок 1">
             <a:extLst>
               <a:ext uri="{FF2B5EF4-FFF2-40B4-BE49-F238E27FC236}">
-                <a16:creationId xmlns:a16="http://schemas.microsoft.com/office/drawing/2014/main" id="{F73CC056-1483-42FB-B21E-E84F3C5387EA}"/>
+                <a16:creationId xmlns="" xmlns:a16="http://schemas.microsoft.com/office/drawing/2014/main" id="{F73CC056-1483-42FB-B21E-E84F3C5387EA}"/>
               </a:ext>
             </a:extLst>
           </p:cNvPr>
@@ -3552,11 +4520,11 @@
           <a:p>
             <a:r>
               <a:rPr lang="ru-RU" dirty="0">
-                <a:cs typeface="Calibri Light"/>
+                <a:latin typeface="Times New Roman" panose="02020603050405020304" pitchFamily="18" charset="0"/>
+                <a:cs typeface="Times New Roman" panose="02020603050405020304" pitchFamily="18" charset="0"/>
               </a:rPr>
               <a:t>Заключение</a:t>
             </a:r>
-            <a:endParaRPr lang="ru-RU" dirty="0"/>
           </a:p>
         </p:txBody>
       </p:sp>
@@ -3565,7 +4533,7 @@
           <p:cNvPr id="3" name="Объект 2">
             <a:extLst>
               <a:ext uri="{FF2B5EF4-FFF2-40B4-BE49-F238E27FC236}">
-                <a16:creationId xmlns:a16="http://schemas.microsoft.com/office/drawing/2014/main" id="{EBFCC5FE-D871-46F4-8940-300FEB857868}"/>
+                <a16:creationId xmlns="" xmlns:a16="http://schemas.microsoft.com/office/drawing/2014/main" id="{EBFCC5FE-D871-46F4-8940-300FEB857868}"/>
               </a:ext>
             </a:extLst>
           </p:cNvPr>
@@ -3583,26 +4551,113 @@
           </a:bodyPr>
           <a:lstStyle/>
           <a:p>
-            <a:pPr marL="0" indent="0">
-              <a:buNone/>
+            <a:pPr algn="just">
+              <a:buFont typeface="Arial" panose="020B0604020202020204" pitchFamily="34" charset="0"/>
+              <a:buChar char="•"/>
             </a:pPr>
             <a:r>
+              <a:rPr lang="ru-RU" dirty="0" smtClean="0">
+                <a:latin typeface="Times New Roman" panose="02020603050405020304" pitchFamily="18" charset="0"/>
+                <a:cs typeface="Times New Roman" panose="02020603050405020304" pitchFamily="18" charset="0"/>
+              </a:rPr>
+              <a:t> В </a:t>
+            </a:r>
+            <a:r>
+              <a:rPr lang="ru-RU" dirty="0" smtClean="0">
+                <a:latin typeface="Times New Roman" panose="02020603050405020304" pitchFamily="18" charset="0"/>
+                <a:cs typeface="Times New Roman" panose="02020603050405020304" pitchFamily="18" charset="0"/>
+              </a:rPr>
+              <a:t>разработке сайта использованы большинство библиотек и классов, с которыми мы ознакомились в процессе обучения </a:t>
+            </a:r>
+            <a:r>
+              <a:rPr lang="en-US" dirty="0" smtClean="0">
+                <a:latin typeface="Times New Roman" panose="02020603050405020304" pitchFamily="18" charset="0"/>
+                <a:cs typeface="Times New Roman" panose="02020603050405020304" pitchFamily="18" charset="0"/>
+              </a:rPr>
+              <a:t>WEB</a:t>
+            </a:r>
+            <a:r>
+              <a:rPr lang="ru-RU" dirty="0" smtClean="0">
+                <a:latin typeface="Times New Roman" panose="02020603050405020304" pitchFamily="18" charset="0"/>
+                <a:cs typeface="Times New Roman" panose="02020603050405020304" pitchFamily="18" charset="0"/>
+              </a:rPr>
+              <a:t>-приложений.</a:t>
+            </a:r>
+          </a:p>
+          <a:p>
+            <a:pPr algn="just">
+              <a:buFont typeface="Arial" panose="020B0604020202020204" pitchFamily="34" charset="0"/>
+              <a:buChar char="•"/>
+            </a:pPr>
+            <a:r>
+              <a:rPr lang="ru-RU" dirty="0" smtClean="0">
+                <a:latin typeface="Times New Roman" panose="02020603050405020304" pitchFamily="18" charset="0"/>
+                <a:cs typeface="Times New Roman" panose="02020603050405020304" pitchFamily="18" charset="0"/>
+              </a:rPr>
+              <a:t> Доработка </a:t>
+            </a:r>
+            <a:r>
+              <a:rPr lang="ru-RU" dirty="0" smtClean="0">
+                <a:latin typeface="Times New Roman" panose="02020603050405020304" pitchFamily="18" charset="0"/>
+                <a:cs typeface="Times New Roman" panose="02020603050405020304" pitchFamily="18" charset="0"/>
+              </a:rPr>
+              <a:t>сайта требуется в части прохождения тестов, корректировки вопросов и использовании выбора ответа из списка.</a:t>
+            </a:r>
+          </a:p>
+          <a:p>
+            <a:pPr algn="just">
+              <a:buFont typeface="Arial" panose="020B0604020202020204" pitchFamily="34" charset="0"/>
+              <a:buChar char="•"/>
+            </a:pPr>
+            <a:r>
+              <a:rPr lang="ru-RU" dirty="0" smtClean="0">
+                <a:latin typeface="Times New Roman" panose="02020603050405020304" pitchFamily="18" charset="0"/>
+                <a:cs typeface="Times New Roman" panose="02020603050405020304" pitchFamily="18" charset="0"/>
+              </a:rPr>
+              <a:t> Серьезной </a:t>
+            </a:r>
+            <a:r>
               <a:rPr lang="ru-RU" dirty="0">
-                <a:cs typeface="Calibri"/>
-              </a:rPr>
-              <a:t>Одно из предполагаемых дополнений - бот ВК для прохождения уникальных тестов</a:t>
-            </a:r>
-          </a:p>
-          <a:p>
-            <a:pPr marL="0" indent="0">
-              <a:buNone/>
+                <a:latin typeface="Times New Roman" panose="02020603050405020304" pitchFamily="18" charset="0"/>
+                <a:cs typeface="Times New Roman" panose="02020603050405020304" pitchFamily="18" charset="0"/>
+              </a:rPr>
+              <a:t>доработки требует внешнее оформление </a:t>
+            </a:r>
+            <a:r>
+              <a:rPr lang="ru-RU" dirty="0" smtClean="0">
+                <a:latin typeface="Times New Roman" panose="02020603050405020304" pitchFamily="18" charset="0"/>
+                <a:cs typeface="Times New Roman" panose="02020603050405020304" pitchFamily="18" charset="0"/>
+              </a:rPr>
+              <a:t>сайта.</a:t>
+            </a:r>
+          </a:p>
+          <a:p>
+            <a:pPr algn="just">
+              <a:buFont typeface="Arial" panose="020B0604020202020204" pitchFamily="34" charset="0"/>
+              <a:buChar char="•"/>
             </a:pPr>
             <a:r>
-              <a:rPr lang="ru-RU" dirty="0">
-                <a:cs typeface="Calibri"/>
-              </a:rPr>
-              <a:t>Серьезной доработки требует внешнее оформление сайта</a:t>
-            </a:r>
+              <a:rPr lang="ru-RU" dirty="0" smtClean="0">
+                <a:latin typeface="Times New Roman" panose="02020603050405020304" pitchFamily="18" charset="0"/>
+                <a:cs typeface="Times New Roman" panose="02020603050405020304" pitchFamily="18" charset="0"/>
+              </a:rPr>
+              <a:t> Одно </a:t>
+            </a:r>
+            <a:r>
+              <a:rPr lang="ru-RU" dirty="0" smtClean="0">
+                <a:latin typeface="Times New Roman" panose="02020603050405020304" pitchFamily="18" charset="0"/>
+                <a:cs typeface="Times New Roman" panose="02020603050405020304" pitchFamily="18" charset="0"/>
+              </a:rPr>
+              <a:t>из предполагаемых дополнений - бот ВК для прохождения уникальных тестов. Возможно дальнейшее развитие в части оценки достижений пользователей, расчёта и вывода рейтинга, сортировки и фильтрации тестов.</a:t>
+            </a:r>
+          </a:p>
+          <a:p>
+            <a:pPr marL="0" indent="0" algn="just">
+              <a:buNone/>
+            </a:pPr>
+            <a:endParaRPr lang="ru-RU" dirty="0">
+              <a:cs typeface="Calibri"/>
+            </a:endParaRPr>
           </a:p>
         </p:txBody>
       </p:sp>
@@ -3620,47 +4675,47 @@
 </file>
 
 <file path=ppt/theme/theme1.xml><?xml version="1.0" encoding="utf-8"?>
-<a:theme xmlns:a="http://schemas.openxmlformats.org/drawingml/2006/main" name="Тема Office">
+<a:theme xmlns:a="http://schemas.openxmlformats.org/drawingml/2006/main" name="Ретро">
   <a:themeElements>
-    <a:clrScheme name="Стандартная">
+    <a:clrScheme name="Ретро">
       <a:dk1>
-        <a:sysClr val="windowText" lastClr="000000"/>
+        <a:srgbClr val="000000"/>
       </a:dk1>
       <a:lt1>
         <a:sysClr val="window" lastClr="FFFFFF"/>
       </a:lt1>
       <a:dk2>
-        <a:srgbClr val="44546A"/>
+        <a:srgbClr val="637052"/>
       </a:dk2>
       <a:lt2>
-        <a:srgbClr val="E7E6E6"/>
+        <a:srgbClr val="CCDDEA"/>
       </a:lt2>
       <a:accent1>
-        <a:srgbClr val="4472C4"/>
+        <a:srgbClr val="E48312"/>
       </a:accent1>
       <a:accent2>
-        <a:srgbClr val="ED7D31"/>
+        <a:srgbClr val="BD582C"/>
       </a:accent2>
       <a:accent3>
-        <a:srgbClr val="A5A5A5"/>
+        <a:srgbClr val="865640"/>
       </a:accent3>
       <a:accent4>
-        <a:srgbClr val="FFC000"/>
+        <a:srgbClr val="9B8357"/>
       </a:accent4>
       <a:accent5>
-        <a:srgbClr val="5B9BD5"/>
+        <a:srgbClr val="C2BC80"/>
       </a:accent5>
       <a:accent6>
-        <a:srgbClr val="70AD47"/>
+        <a:srgbClr val="94A088"/>
       </a:accent6>
       <a:hlink>
-        <a:srgbClr val="0563C1"/>
+        <a:srgbClr val="2998E3"/>
       </a:hlink>
       <a:folHlink>
-        <a:srgbClr val="954F72"/>
+        <a:srgbClr val="8C8C8C"/>
       </a:folHlink>
     </a:clrScheme>
-    <a:fontScheme name="Стандартная">
+    <a:fontScheme name="Ретро">
       <a:majorFont>
         <a:latin typeface="Calibri Light" panose="020F0302020204030204"/>
         <a:ea typeface=""/>
@@ -3732,7 +4787,7 @@
         <a:font script="Geor" typeface="Sylfaen"/>
       </a:minorFont>
     </a:fontScheme>
-    <a:fmtScheme name="Стандартная">
+    <a:fmtScheme name="Ретро">
       <a:fillStyleLst>
         <a:solidFill>
           <a:schemeClr val="phClr"/>
@@ -3741,76 +4796,81 @@
           <a:gsLst>
             <a:gs pos="0">
               <a:schemeClr val="phClr">
-                <a:lumMod val="110000"/>
-                <a:satMod val="105000"/>
-                <a:tint val="67000"/>
+                <a:tint val="65000"/>
+                <a:shade val="92000"/>
+                <a:satMod val="130000"/>
               </a:schemeClr>
             </a:gs>
-            <a:gs pos="50000">
+            <a:gs pos="45000">
               <a:schemeClr val="phClr">
-                <a:lumMod val="105000"/>
-                <a:satMod val="103000"/>
-                <a:tint val="73000"/>
+                <a:tint val="60000"/>
+                <a:shade val="99000"/>
+                <a:satMod val="120000"/>
               </a:schemeClr>
             </a:gs>
             <a:gs pos="100000">
               <a:schemeClr val="phClr">
-                <a:lumMod val="105000"/>
-                <a:satMod val="109000"/>
-                <a:tint val="81000"/>
+                <a:tint val="55000"/>
+                <a:satMod val="140000"/>
               </a:schemeClr>
             </a:gs>
           </a:gsLst>
-          <a:lin ang="5400000" scaled="0"/>
+          <a:path path="circle">
+            <a:fillToRect l="100000" t="100000" r="100000" b="100000"/>
+          </a:path>
         </a:gradFill>
         <a:gradFill rotWithShape="1">
           <a:gsLst>
             <a:gs pos="0">
               <a:schemeClr val="phClr">
-                <a:satMod val="103000"/>
-                <a:lumMod val="102000"/>
-                <a:tint val="94000"/>
+                <a:shade val="85000"/>
+                <a:satMod val="130000"/>
               </a:schemeClr>
             </a:gs>
-            <a:gs pos="50000">
+            <a:gs pos="34000">
               <a:schemeClr val="phClr">
-                <a:satMod val="110000"/>
-                <a:lumMod val="100000"/>
-                <a:shade val="100000"/>
+                <a:shade val="87000"/>
+                <a:satMod val="125000"/>
+              </a:schemeClr>
+            </a:gs>
+            <a:gs pos="70000">
+              <a:schemeClr val="phClr">
+                <a:tint val="100000"/>
+                <a:shade val="90000"/>
+                <a:satMod val="130000"/>
               </a:schemeClr>
             </a:gs>
             <a:gs pos="100000">
               <a:schemeClr val="phClr">
-                <a:lumMod val="99000"/>
-                <a:satMod val="120000"/>
-                <a:shade val="78000"/>
+                <a:tint val="100000"/>
+                <a:shade val="100000"/>
+                <a:satMod val="110000"/>
               </a:schemeClr>
             </a:gs>
           </a:gsLst>
-          <a:lin ang="5400000" scaled="0"/>
+          <a:path path="circle">
+            <a:fillToRect l="100000" t="100000" r="100000" b="100000"/>
+          </a:path>
         </a:gradFill>
       </a:fillStyleLst>
       <a:lnStyleLst>
-        <a:ln w="6350" cap="flat" cmpd="sng" algn="ctr">
-          <a:solidFill>
-            <a:schemeClr val="phClr"/>
-          </a:solidFill>
-          <a:prstDash val="solid"/>
-          <a:miter lim="800000"/>
-        </a:ln>
         <a:ln w="12700" cap="flat" cmpd="sng" algn="ctr">
           <a:solidFill>
             <a:schemeClr val="phClr"/>
           </a:solidFill>
           <a:prstDash val="solid"/>
-          <a:miter lim="800000"/>
         </a:ln>
-        <a:ln w="19050" cap="flat" cmpd="sng" algn="ctr">
+        <a:ln w="15875" cap="flat" cmpd="sng" algn="ctr">
           <a:solidFill>
             <a:schemeClr val="phClr"/>
           </a:solidFill>
           <a:prstDash val="solid"/>
-          <a:miter lim="800000"/>
+        </a:ln>
+        <a:ln w="25400" cap="flat" cmpd="sng" algn="ctr">
+          <a:solidFill>
+            <a:schemeClr val="phClr"/>
+          </a:solidFill>
+          <a:prstDash val="solid"/>
         </a:ln>
       </a:lnStyleLst>
       <a:effectStyleLst>
@@ -3818,16 +4878,33 @@
           <a:effectLst/>
         </a:effectStyle>
         <a:effectStyle>
-          <a:effectLst/>
+          <a:effectLst>
+            <a:outerShdw blurRad="38100" dist="25400" dir="2700000" algn="br" rotWithShape="0">
+              <a:srgbClr val="000000">
+                <a:alpha val="60000"/>
+              </a:srgbClr>
+            </a:outerShdw>
+          </a:effectLst>
         </a:effectStyle>
         <a:effectStyle>
           <a:effectLst>
-            <a:outerShdw blurRad="57150" dist="19050" dir="5400000" algn="ctr" rotWithShape="0">
+            <a:outerShdw blurRad="44450" dist="25400" dir="2700000" algn="br" rotWithShape="0">
               <a:srgbClr val="000000">
-                <a:alpha val="63000"/>
+                <a:alpha val="60000"/>
               </a:srgbClr>
             </a:outerShdw>
           </a:effectLst>
+          <a:scene3d>
+            <a:camera prst="orthographicFront">
+              <a:rot lat="0" lon="0" rev="0"/>
+            </a:camera>
+            <a:lightRig rig="threePt" dir="t">
+              <a:rot lat="0" lon="0" rev="19800000"/>
+            </a:lightRig>
+          </a:scene3d>
+          <a:sp3d prstMaterial="flat">
+            <a:bevelT w="25400" h="31750"/>
+          </a:sp3d>
         </a:effectStyle>
       </a:effectStyleLst>
       <a:bgFillStyleLst>
@@ -3836,36 +4913,36 @@
         </a:solidFill>
         <a:solidFill>
           <a:schemeClr val="phClr">
-            <a:tint val="95000"/>
-            <a:satMod val="170000"/>
+            <a:tint val="90000"/>
+            <a:shade val="97000"/>
+            <a:satMod val="130000"/>
           </a:schemeClr>
         </a:solidFill>
         <a:gradFill rotWithShape="1">
           <a:gsLst>
             <a:gs pos="0">
               <a:schemeClr val="phClr">
-                <a:tint val="93000"/>
-                <a:satMod val="150000"/>
-                <a:shade val="98000"/>
-                <a:lumMod val="102000"/>
+                <a:tint val="96000"/>
+                <a:shade val="99000"/>
+                <a:satMod val="140000"/>
               </a:schemeClr>
             </a:gs>
-            <a:gs pos="50000">
+            <a:gs pos="65000">
               <a:schemeClr val="phClr">
-                <a:tint val="98000"/>
+                <a:tint val="100000"/>
+                <a:shade val="80000"/>
                 <a:satMod val="130000"/>
-                <a:shade val="90000"/>
-                <a:lumMod val="103000"/>
               </a:schemeClr>
             </a:gs>
             <a:gs pos="100000">
               <a:schemeClr val="phClr">
-                <a:shade val="63000"/>
+                <a:tint val="100000"/>
+                <a:shade val="48000"/>
                 <a:satMod val="120000"/>
               </a:schemeClr>
             </a:gs>
           </a:gsLst>
-          <a:lin ang="5400000" scaled="0"/>
+          <a:lin ang="16200000" scaled="0"/>
         </a:gradFill>
       </a:bgFillStyleLst>
     </a:fmtScheme>
@@ -3874,7 +4951,7 @@
   <a:extraClrSchemeLst/>
   <a:extLst>
     <a:ext uri="{05A4C25C-085E-4340-85A3-A5531E510DB2}">
-      <thm15:themeFamily xmlns:thm15="http://schemas.microsoft.com/office/thememl/2012/main" name="Office Theme" id="{62F939B6-93AF-4DB8-9C6B-D6C7DFDC589F}" vid="{4A3C46E8-61CC-4603-A589-7422A47A8E4A}"/>
+      <thm15:themeFamily xmlns:thm15="http://schemas.microsoft.com/office/thememl/2012/main" name="Retrospect" id="{5F128B03-DCCA-4EEB-AB3B-CF2899314A46}" vid="{3F1AAB62-24C6-49D2-8E01-B56FAC9A3DCD}"/>
     </a:ext>
   </a:extLst>
 </a:theme>
